--- a/version_0.2.pptx
+++ b/version_0.2.pptx
@@ -7,6 +7,8 @@
   <p:sldIdLst>
     <p:sldId id="256" r:id="rId2"/>
     <p:sldId id="257" r:id="rId3"/>
+    <p:sldId id="258" r:id="rId4"/>
+    <p:sldId id="259" r:id="rId5"/>
   </p:sldIdLst>
   <p:sldSz cx="12192000" cy="6858000"/>
   <p:notesSz cx="6858000" cy="9144000"/>
@@ -105,6 +107,11 @@
       </a:defRPr>
     </a:lvl9pPr>
   </p:defaultTextStyle>
+  <p:extLst>
+    <p:ext uri="{EFAFB233-063F-42B5-8137-9DF3F51BA10A}">
+      <p15:sldGuideLst xmlns:p15="http://schemas.microsoft.com/office/powerpoint/2012/main"/>
+    </p:ext>
+  </p:extLst>
 </p:presentation>
 </file>
 
@@ -239,7 +246,7 @@
           <a:p>
             <a:fld id="{6BFF06CF-82A3-4CD1-B5D6-A02F9C92DB18}" type="datetimeFigureOut">
               <a:rPr lang="zh-CN" altLang="en-US" smtClean="0"/>
-              <a:t>2016/4/23</a:t>
+              <a:t>2016/4/24</a:t>
             </a:fld>
             <a:endParaRPr lang="zh-CN" altLang="en-US"/>
           </a:p>
@@ -409,7 +416,7 @@
           <a:p>
             <a:fld id="{6BFF06CF-82A3-4CD1-B5D6-A02F9C92DB18}" type="datetimeFigureOut">
               <a:rPr lang="zh-CN" altLang="en-US" smtClean="0"/>
-              <a:t>2016/4/23</a:t>
+              <a:t>2016/4/24</a:t>
             </a:fld>
             <a:endParaRPr lang="zh-CN" altLang="en-US"/>
           </a:p>
@@ -589,7 +596,7 @@
           <a:p>
             <a:fld id="{6BFF06CF-82A3-4CD1-B5D6-A02F9C92DB18}" type="datetimeFigureOut">
               <a:rPr lang="zh-CN" altLang="en-US" smtClean="0"/>
-              <a:t>2016/4/23</a:t>
+              <a:t>2016/4/24</a:t>
             </a:fld>
             <a:endParaRPr lang="zh-CN" altLang="en-US"/>
           </a:p>
@@ -759,7 +766,7 @@
           <a:p>
             <a:fld id="{6BFF06CF-82A3-4CD1-B5D6-A02F9C92DB18}" type="datetimeFigureOut">
               <a:rPr lang="zh-CN" altLang="en-US" smtClean="0"/>
-              <a:t>2016/4/23</a:t>
+              <a:t>2016/4/24</a:t>
             </a:fld>
             <a:endParaRPr lang="zh-CN" altLang="en-US"/>
           </a:p>
@@ -1005,7 +1012,7 @@
           <a:p>
             <a:fld id="{6BFF06CF-82A3-4CD1-B5D6-A02F9C92DB18}" type="datetimeFigureOut">
               <a:rPr lang="zh-CN" altLang="en-US" smtClean="0"/>
-              <a:t>2016/4/23</a:t>
+              <a:t>2016/4/24</a:t>
             </a:fld>
             <a:endParaRPr lang="zh-CN" altLang="en-US"/>
           </a:p>
@@ -1237,7 +1244,7 @@
           <a:p>
             <a:fld id="{6BFF06CF-82A3-4CD1-B5D6-A02F9C92DB18}" type="datetimeFigureOut">
               <a:rPr lang="zh-CN" altLang="en-US" smtClean="0"/>
-              <a:t>2016/4/23</a:t>
+              <a:t>2016/4/24</a:t>
             </a:fld>
             <a:endParaRPr lang="zh-CN" altLang="en-US"/>
           </a:p>
@@ -1604,7 +1611,7 @@
           <a:p>
             <a:fld id="{6BFF06CF-82A3-4CD1-B5D6-A02F9C92DB18}" type="datetimeFigureOut">
               <a:rPr lang="zh-CN" altLang="en-US" smtClean="0"/>
-              <a:t>2016/4/23</a:t>
+              <a:t>2016/4/24</a:t>
             </a:fld>
             <a:endParaRPr lang="zh-CN" altLang="en-US"/>
           </a:p>
@@ -1722,7 +1729,7 @@
           <a:p>
             <a:fld id="{6BFF06CF-82A3-4CD1-B5D6-A02F9C92DB18}" type="datetimeFigureOut">
               <a:rPr lang="zh-CN" altLang="en-US" smtClean="0"/>
-              <a:t>2016/4/23</a:t>
+              <a:t>2016/4/24</a:t>
             </a:fld>
             <a:endParaRPr lang="zh-CN" altLang="en-US"/>
           </a:p>
@@ -1817,7 +1824,7 @@
           <a:p>
             <a:fld id="{6BFF06CF-82A3-4CD1-B5D6-A02F9C92DB18}" type="datetimeFigureOut">
               <a:rPr lang="zh-CN" altLang="en-US" smtClean="0"/>
-              <a:t>2016/4/23</a:t>
+              <a:t>2016/4/24</a:t>
             </a:fld>
             <a:endParaRPr lang="zh-CN" altLang="en-US"/>
           </a:p>
@@ -2094,7 +2101,7 @@
           <a:p>
             <a:fld id="{6BFF06CF-82A3-4CD1-B5D6-A02F9C92DB18}" type="datetimeFigureOut">
               <a:rPr lang="zh-CN" altLang="en-US" smtClean="0"/>
-              <a:t>2016/4/23</a:t>
+              <a:t>2016/4/24</a:t>
             </a:fld>
             <a:endParaRPr lang="zh-CN" altLang="en-US"/>
           </a:p>
@@ -2347,7 +2354,7 @@
           <a:p>
             <a:fld id="{6BFF06CF-82A3-4CD1-B5D6-A02F9C92DB18}" type="datetimeFigureOut">
               <a:rPr lang="zh-CN" altLang="en-US" smtClean="0"/>
-              <a:t>2016/4/23</a:t>
+              <a:t>2016/4/24</a:t>
             </a:fld>
             <a:endParaRPr lang="zh-CN" altLang="en-US"/>
           </a:p>
@@ -2560,7 +2567,7 @@
           <a:p>
             <a:fld id="{6BFF06CF-82A3-4CD1-B5D6-A02F9C92DB18}" type="datetimeFigureOut">
               <a:rPr lang="zh-CN" altLang="en-US" smtClean="0"/>
-              <a:t>2016/4/23</a:t>
+              <a:t>2016/4/24</a:t>
             </a:fld>
             <a:endParaRPr lang="zh-CN" altLang="en-US"/>
           </a:p>
@@ -3070,8 +3077,8 @@
         </p:blipFill>
         <p:spPr>
           <a:xfrm>
-            <a:off x="3279694" y="1825625"/>
-            <a:ext cx="5632611" cy="4351338"/>
+            <a:off x="3279694" y="1825624"/>
+            <a:ext cx="6224914" cy="4808907"/>
           </a:xfrm>
           <a:prstGeom prst="rect">
             <a:avLst/>
@@ -3082,6 +3089,264 @@
     <p:extLst>
       <p:ext uri="{BB962C8B-B14F-4D97-AF65-F5344CB8AC3E}">
         <p14:creationId xmlns:p14="http://schemas.microsoft.com/office/powerpoint/2010/main" val="2689163813"/>
+      </p:ext>
+    </p:extLst>
+  </p:cSld>
+  <p:clrMapOvr>
+    <a:masterClrMapping/>
+  </p:clrMapOvr>
+</p:sld>
+</file>
+
+<file path=ppt/slides/slide3.xml><?xml version="1.0" encoding="utf-8"?>
+<p:sld xmlns:a="http://schemas.openxmlformats.org/drawingml/2006/main" xmlns:r="http://schemas.openxmlformats.org/officeDocument/2006/relationships" xmlns:p="http://schemas.openxmlformats.org/presentationml/2006/main">
+  <p:cSld>
+    <p:spTree>
+      <p:nvGrpSpPr>
+        <p:cNvPr id="1" name=""/>
+        <p:cNvGrpSpPr/>
+        <p:nvPr/>
+      </p:nvGrpSpPr>
+      <p:grpSpPr>
+        <a:xfrm>
+          <a:off x="0" y="0"/>
+          <a:ext cx="0" cy="0"/>
+          <a:chOff x="0" y="0"/>
+          <a:chExt cx="0" cy="0"/>
+        </a:xfrm>
+      </p:grpSpPr>
+      <p:sp>
+        <p:nvSpPr>
+          <p:cNvPr id="2" name="标题 1"/>
+          <p:cNvSpPr>
+            <a:spLocks noGrp="1"/>
+          </p:cNvSpPr>
+          <p:nvPr>
+            <p:ph type="title"/>
+          </p:nvPr>
+        </p:nvSpPr>
+        <p:spPr/>
+        <p:txBody>
+          <a:bodyPr/>
+          <a:lstStyle/>
+          <a:p>
+            <a:r>
+              <a:rPr lang="zh-CN" altLang="en-US" dirty="0" smtClean="0"/>
+              <a:t>加入 </a:t>
+            </a:r>
+            <a:r>
+              <a:rPr lang="en-US" altLang="zh-CN" dirty="0" smtClean="0"/>
+              <a:t>battlefield </a:t>
+            </a:r>
+            <a:endParaRPr lang="zh-CN" altLang="en-US" dirty="0"/>
+          </a:p>
+        </p:txBody>
+      </p:sp>
+      <p:pic>
+        <p:nvPicPr>
+          <p:cNvPr id="4" name="内容占位符 3"/>
+          <p:cNvPicPr>
+            <a:picLocks noGrp="1" noChangeAspect="1"/>
+          </p:cNvPicPr>
+          <p:nvPr>
+            <p:ph idx="1"/>
+          </p:nvPr>
+        </p:nvPicPr>
+        <p:blipFill>
+          <a:blip r:embed="rId2"/>
+          <a:stretch>
+            <a:fillRect/>
+          </a:stretch>
+        </p:blipFill>
+        <p:spPr>
+          <a:xfrm>
+            <a:off x="3266239" y="1825625"/>
+            <a:ext cx="6341400" cy="4875602"/>
+          </a:xfrm>
+          <a:prstGeom prst="rect">
+            <a:avLst/>
+          </a:prstGeom>
+        </p:spPr>
+      </p:pic>
+    </p:spTree>
+    <p:extLst>
+      <p:ext uri="{BB962C8B-B14F-4D97-AF65-F5344CB8AC3E}">
+        <p14:creationId xmlns:p14="http://schemas.microsoft.com/office/powerpoint/2010/main" val="3831976462"/>
+      </p:ext>
+    </p:extLst>
+  </p:cSld>
+  <p:clrMapOvr>
+    <a:masterClrMapping/>
+  </p:clrMapOvr>
+</p:sld>
+</file>
+
+<file path=ppt/slides/slide4.xml><?xml version="1.0" encoding="utf-8"?>
+<p:sld xmlns:a="http://schemas.openxmlformats.org/drawingml/2006/main" xmlns:r="http://schemas.openxmlformats.org/officeDocument/2006/relationships" xmlns:p="http://schemas.openxmlformats.org/presentationml/2006/main">
+  <p:cSld>
+    <p:spTree>
+      <p:nvGrpSpPr>
+        <p:cNvPr id="1" name=""/>
+        <p:cNvGrpSpPr/>
+        <p:nvPr/>
+      </p:nvGrpSpPr>
+      <p:grpSpPr>
+        <a:xfrm>
+          <a:off x="0" y="0"/>
+          <a:ext cx="0" cy="0"/>
+          <a:chOff x="0" y="0"/>
+          <a:chExt cx="0" cy="0"/>
+        </a:xfrm>
+      </p:grpSpPr>
+      <p:sp>
+        <p:nvSpPr>
+          <p:cNvPr id="4" name="标题 3"/>
+          <p:cNvSpPr>
+            <a:spLocks noGrp="1"/>
+          </p:cNvSpPr>
+          <p:nvPr>
+            <p:ph type="title"/>
+          </p:nvPr>
+        </p:nvSpPr>
+        <p:spPr/>
+        <p:txBody>
+          <a:bodyPr/>
+          <a:lstStyle/>
+          <a:p>
+            <a:endParaRPr lang="zh-CN" altLang="en-US"/>
+          </a:p>
+        </p:txBody>
+      </p:sp>
+      <p:sp>
+        <p:nvSpPr>
+          <p:cNvPr id="5" name="文本占位符 4"/>
+          <p:cNvSpPr>
+            <a:spLocks noGrp="1"/>
+          </p:cNvSpPr>
+          <p:nvPr>
+            <p:ph type="body" idx="1"/>
+          </p:nvPr>
+        </p:nvSpPr>
+        <p:spPr/>
+        <p:txBody>
+          <a:bodyPr/>
+          <a:lstStyle/>
+          <a:p>
+            <a:r>
+              <a:rPr lang="en-US" altLang="zh-CN" dirty="0" smtClean="0"/>
+              <a:t>Coalition</a:t>
+            </a:r>
+            <a:endParaRPr lang="zh-CN" altLang="en-US" dirty="0"/>
+          </a:p>
+        </p:txBody>
+      </p:sp>
+      <p:sp>
+        <p:nvSpPr>
+          <p:cNvPr id="6" name="内容占位符 5"/>
+          <p:cNvSpPr>
+            <a:spLocks noGrp="1"/>
+          </p:cNvSpPr>
+          <p:nvPr>
+            <p:ph sz="half" idx="2"/>
+          </p:nvPr>
+        </p:nvSpPr>
+        <p:spPr/>
+        <p:txBody>
+          <a:bodyPr>
+            <a:normAutofit/>
+          </a:bodyPr>
+          <a:lstStyle/>
+          <a:p>
+            <a:r>
+              <a:rPr lang="zh-CN" altLang="en-US" sz="2400" dirty="0" smtClean="0"/>
+              <a:t>在</a:t>
+            </a:r>
+            <a:r>
+              <a:rPr lang="en-US" altLang="zh-CN" sz="2400" dirty="0" smtClean="0"/>
+              <a:t>PM</a:t>
+            </a:r>
+            <a:r>
+              <a:rPr lang="zh-CN" altLang="en-US" sz="2400" smtClean="0"/>
+              <a:t>选点，不存在边的概念</a:t>
+            </a:r>
+            <a:endParaRPr lang="zh-CN" altLang="en-US" sz="2400" dirty="0"/>
+          </a:p>
+        </p:txBody>
+      </p:sp>
+      <p:sp>
+        <p:nvSpPr>
+          <p:cNvPr id="7" name="文本占位符 6"/>
+          <p:cNvSpPr>
+            <a:spLocks noGrp="1"/>
+          </p:cNvSpPr>
+          <p:nvPr>
+            <p:ph type="body" sz="quarter" idx="3"/>
+          </p:nvPr>
+        </p:nvSpPr>
+        <p:spPr/>
+        <p:txBody>
+          <a:bodyPr/>
+          <a:lstStyle/>
+          <a:p>
+            <a:r>
+              <a:rPr lang="en-US" altLang="zh-CN" dirty="0" smtClean="0"/>
+              <a:t>TSP</a:t>
+            </a:r>
+          </a:p>
+        </p:txBody>
+      </p:sp>
+      <p:sp>
+        <p:nvSpPr>
+          <p:cNvPr id="8" name="内容占位符 7"/>
+          <p:cNvSpPr>
+            <a:spLocks noGrp="1"/>
+          </p:cNvSpPr>
+          <p:nvPr>
+            <p:ph sz="quarter" idx="4"/>
+          </p:nvPr>
+        </p:nvSpPr>
+        <p:spPr/>
+        <p:txBody>
+          <a:bodyPr>
+            <a:normAutofit/>
+          </a:bodyPr>
+          <a:lstStyle/>
+          <a:p>
+            <a:r>
+              <a:rPr lang="zh-CN" altLang="en-US" sz="2400" dirty="0"/>
+              <a:t>在</a:t>
+            </a:r>
+            <a:r>
+              <a:rPr lang="en-US" altLang="zh-CN" sz="2400" dirty="0" smtClean="0"/>
+              <a:t>PM</a:t>
+            </a:r>
+            <a:r>
+              <a:rPr lang="zh-CN" altLang="en-US" sz="2400" dirty="0" smtClean="0"/>
+              <a:t>中选边</a:t>
+            </a:r>
+            <a:endParaRPr lang="en-US" altLang="zh-CN" sz="2400" dirty="0" smtClean="0"/>
+          </a:p>
+          <a:p>
+            <a:r>
+              <a:rPr lang="zh-CN" altLang="en-US" sz="2400" dirty="0" smtClean="0"/>
+              <a:t>在一个</a:t>
+            </a:r>
+            <a:r>
+              <a:rPr lang="en-US" altLang="zh-CN" sz="2400" dirty="0" smtClean="0"/>
+              <a:t>individual</a:t>
+            </a:r>
+            <a:r>
+              <a:rPr lang="zh-CN" altLang="en-US" sz="2400" dirty="0" smtClean="0"/>
+              <a:t>中，每一个点都会遍历一遍</a:t>
+            </a:r>
+            <a:endParaRPr lang="zh-CN" altLang="en-US" sz="2400" dirty="0"/>
+          </a:p>
+        </p:txBody>
+      </p:sp>
+    </p:spTree>
+    <p:extLst>
+      <p:ext uri="{BB962C8B-B14F-4D97-AF65-F5344CB8AC3E}">
+        <p14:creationId xmlns:p14="http://schemas.microsoft.com/office/powerpoint/2010/main" val="2011737546"/>
       </p:ext>
     </p:extLst>
   </p:cSld>

--- a/version_0.2.pptx
+++ b/version_0.2.pptx
@@ -8,7 +8,9 @@
     <p:sldId id="256" r:id="rId2"/>
     <p:sldId id="257" r:id="rId3"/>
     <p:sldId id="258" r:id="rId4"/>
-    <p:sldId id="259" r:id="rId5"/>
+    <p:sldId id="260" r:id="rId5"/>
+    <p:sldId id="261" r:id="rId6"/>
+    <p:sldId id="259" r:id="rId7"/>
   </p:sldIdLst>
   <p:sldSz cx="12192000" cy="6858000"/>
   <p:notesSz cx="6858000" cy="9144000"/>
@@ -3200,6 +3202,156 @@
       </p:grpSpPr>
       <p:sp>
         <p:nvSpPr>
+          <p:cNvPr id="2" name="标题 1"/>
+          <p:cNvSpPr>
+            <a:spLocks noGrp="1"/>
+          </p:cNvSpPr>
+          <p:nvPr>
+            <p:ph type="title"/>
+          </p:nvPr>
+        </p:nvSpPr>
+        <p:spPr/>
+        <p:txBody>
+          <a:bodyPr/>
+          <a:lstStyle/>
+          <a:p>
+            <a:endParaRPr lang="zh-CN" altLang="en-US"/>
+          </a:p>
+        </p:txBody>
+      </p:sp>
+      <p:pic>
+        <p:nvPicPr>
+          <p:cNvPr id="4" name="内容占位符 3"/>
+          <p:cNvPicPr>
+            <a:picLocks noGrp="1" noChangeAspect="1"/>
+          </p:cNvPicPr>
+          <p:nvPr>
+            <p:ph idx="1"/>
+          </p:nvPr>
+        </p:nvPicPr>
+        <p:blipFill>
+          <a:blip r:embed="rId2"/>
+          <a:stretch>
+            <a:fillRect/>
+          </a:stretch>
+        </p:blipFill>
+        <p:spPr>
+          <a:xfrm>
+            <a:off x="3314251" y="1825625"/>
+            <a:ext cx="6254751" cy="4891984"/>
+          </a:xfrm>
+          <a:prstGeom prst="rect">
+            <a:avLst/>
+          </a:prstGeom>
+        </p:spPr>
+      </p:pic>
+    </p:spTree>
+    <p:extLst>
+      <p:ext uri="{BB962C8B-B14F-4D97-AF65-F5344CB8AC3E}">
+        <p14:creationId xmlns:p14="http://schemas.microsoft.com/office/powerpoint/2010/main" val="3361557358"/>
+      </p:ext>
+    </p:extLst>
+  </p:cSld>
+  <p:clrMapOvr>
+    <a:masterClrMapping/>
+  </p:clrMapOvr>
+</p:sld>
+</file>
+
+<file path=ppt/slides/slide5.xml><?xml version="1.0" encoding="utf-8"?>
+<p:sld xmlns:a="http://schemas.openxmlformats.org/drawingml/2006/main" xmlns:r="http://schemas.openxmlformats.org/officeDocument/2006/relationships" xmlns:p="http://schemas.openxmlformats.org/presentationml/2006/main">
+  <p:cSld>
+    <p:spTree>
+      <p:nvGrpSpPr>
+        <p:cNvPr id="1" name=""/>
+        <p:cNvGrpSpPr/>
+        <p:nvPr/>
+      </p:nvGrpSpPr>
+      <p:grpSpPr>
+        <a:xfrm>
+          <a:off x="0" y="0"/>
+          <a:ext cx="0" cy="0"/>
+          <a:chOff x="0" y="0"/>
+          <a:chExt cx="0" cy="0"/>
+        </a:xfrm>
+      </p:grpSpPr>
+      <p:sp>
+        <p:nvSpPr>
+          <p:cNvPr id="2" name="标题 1"/>
+          <p:cNvSpPr>
+            <a:spLocks noGrp="1"/>
+          </p:cNvSpPr>
+          <p:nvPr>
+            <p:ph type="title"/>
+          </p:nvPr>
+        </p:nvSpPr>
+        <p:spPr/>
+        <p:txBody>
+          <a:bodyPr/>
+          <a:lstStyle/>
+          <a:p>
+            <a:endParaRPr lang="zh-CN" altLang="en-US"/>
+          </a:p>
+        </p:txBody>
+      </p:sp>
+      <p:pic>
+        <p:nvPicPr>
+          <p:cNvPr id="4" name="内容占位符 3"/>
+          <p:cNvPicPr>
+            <a:picLocks noGrp="1" noChangeAspect="1"/>
+          </p:cNvPicPr>
+          <p:nvPr>
+            <p:ph idx="1"/>
+          </p:nvPr>
+        </p:nvPicPr>
+        <p:blipFill>
+          <a:blip r:embed="rId2"/>
+          <a:stretch>
+            <a:fillRect/>
+          </a:stretch>
+        </p:blipFill>
+        <p:spPr>
+          <a:xfrm>
+            <a:off x="3258864" y="1825625"/>
+            <a:ext cx="6402818" cy="4910026"/>
+          </a:xfrm>
+          <a:prstGeom prst="rect">
+            <a:avLst/>
+          </a:prstGeom>
+        </p:spPr>
+      </p:pic>
+    </p:spTree>
+    <p:extLst>
+      <p:ext uri="{BB962C8B-B14F-4D97-AF65-F5344CB8AC3E}">
+        <p14:creationId xmlns:p14="http://schemas.microsoft.com/office/powerpoint/2010/main" val="2091683096"/>
+      </p:ext>
+    </p:extLst>
+  </p:cSld>
+  <p:clrMapOvr>
+    <a:masterClrMapping/>
+  </p:clrMapOvr>
+</p:sld>
+</file>
+
+<file path=ppt/slides/slide6.xml><?xml version="1.0" encoding="utf-8"?>
+<p:sld xmlns:a="http://schemas.openxmlformats.org/drawingml/2006/main" xmlns:r="http://schemas.openxmlformats.org/officeDocument/2006/relationships" xmlns:p="http://schemas.openxmlformats.org/presentationml/2006/main">
+  <p:cSld>
+    <p:spTree>
+      <p:nvGrpSpPr>
+        <p:cNvPr id="1" name=""/>
+        <p:cNvGrpSpPr/>
+        <p:nvPr/>
+      </p:nvGrpSpPr>
+      <p:grpSpPr>
+        <a:xfrm>
+          <a:off x="0" y="0"/>
+          <a:ext cx="0" cy="0"/>
+          <a:chOff x="0" y="0"/>
+          <a:chExt cx="0" cy="0"/>
+        </a:xfrm>
+      </p:grpSpPr>
+      <p:sp>
+        <p:nvSpPr>
           <p:cNvPr id="4" name="标题 3"/>
           <p:cNvSpPr>
             <a:spLocks noGrp="1"/>

--- a/version_0.2.pptx
+++ b/version_0.2.pptx
@@ -2,17 +2,19 @@
 <file path=ppt/presentation.xml><?xml version="1.0" encoding="utf-8"?>
 <p:presentation xmlns:a="http://schemas.openxmlformats.org/drawingml/2006/main" xmlns:r="http://schemas.openxmlformats.org/officeDocument/2006/relationships" xmlns:p="http://schemas.openxmlformats.org/presentationml/2006/main" saveSubsetFonts="1">
   <p:sldMasterIdLst>
-    <p:sldMasterId id="2147483648" r:id="rId1"/>
+    <p:sldMasterId id="2147483660" r:id="rId1"/>
   </p:sldMasterIdLst>
   <p:sldIdLst>
     <p:sldId id="256" r:id="rId2"/>
     <p:sldId id="257" r:id="rId3"/>
     <p:sldId id="258" r:id="rId4"/>
     <p:sldId id="260" r:id="rId5"/>
-    <p:sldId id="261" r:id="rId6"/>
-    <p:sldId id="259" r:id="rId7"/>
+    <p:sldId id="262" r:id="rId6"/>
+    <p:sldId id="261" r:id="rId7"/>
+    <p:sldId id="263" r:id="rId8"/>
+    <p:sldId id="259" r:id="rId9"/>
   </p:sldIdLst>
-  <p:sldSz cx="12192000" cy="6858000"/>
+  <p:sldSz cx="9144000" cy="6858000" type="screen4x3"/>
   <p:notesSz cx="6858000" cy="9144000"/>
   <p:defaultTextStyle>
     <a:defPPr>
@@ -136,7 +138,7 @@
       </p:grpSpPr>
       <p:sp>
         <p:nvSpPr>
-          <p:cNvPr id="2" name="标题 1"/>
+          <p:cNvPr id="2" name="Title 1"/>
           <p:cNvSpPr>
             <a:spLocks noGrp="1"/>
           </p:cNvSpPr>
@@ -146,8 +148,8 @@
         </p:nvSpPr>
         <p:spPr>
           <a:xfrm>
-            <a:off x="1524000" y="1122363"/>
-            <a:ext cx="9144000" cy="2387600"/>
+            <a:off x="685800" y="1122363"/>
+            <a:ext cx="7772400" cy="2387600"/>
           </a:xfrm>
         </p:spPr>
         <p:txBody>
@@ -162,13 +164,13 @@
               <a:rPr lang="zh-CN" altLang="en-US" smtClean="0"/>
               <a:t>单击此处编辑母版标题样式</a:t>
             </a:r>
-            <a:endParaRPr lang="zh-CN" altLang="en-US"/>
-          </a:p>
-        </p:txBody>
-      </p:sp>
-      <p:sp>
-        <p:nvSpPr>
-          <p:cNvPr id="3" name="副标题 2"/>
+            <a:endParaRPr lang="en-US" dirty="0"/>
+          </a:p>
+        </p:txBody>
+      </p:sp>
+      <p:sp>
+        <p:nvSpPr>
+          <p:cNvPr id="3" name="Subtitle 2"/>
           <p:cNvSpPr>
             <a:spLocks noGrp="1"/>
           </p:cNvSpPr>
@@ -178,8 +180,8 @@
         </p:nvSpPr>
         <p:spPr>
           <a:xfrm>
-            <a:off x="1524000" y="3602038"/>
-            <a:ext cx="9144000" cy="1655762"/>
+            <a:off x="1143000" y="3602038"/>
+            <a:ext cx="6858000" cy="1655762"/>
           </a:xfrm>
         </p:spPr>
         <p:txBody>
@@ -227,13 +229,13 @@
               <a:rPr lang="zh-CN" altLang="en-US" smtClean="0"/>
               <a:t>单击此处编辑母版副标题样式</a:t>
             </a:r>
-            <a:endParaRPr lang="zh-CN" altLang="en-US"/>
-          </a:p>
-        </p:txBody>
-      </p:sp>
-      <p:sp>
-        <p:nvSpPr>
-          <p:cNvPr id="4" name="日期占位符 3"/>
+            <a:endParaRPr lang="en-US" dirty="0"/>
+          </a:p>
+        </p:txBody>
+      </p:sp>
+      <p:sp>
+        <p:nvSpPr>
+          <p:cNvPr id="4" name="Date Placeholder 3"/>
           <p:cNvSpPr>
             <a:spLocks noGrp="1"/>
           </p:cNvSpPr>
@@ -248,7 +250,7 @@
           <a:p>
             <a:fld id="{6BFF06CF-82A3-4CD1-B5D6-A02F9C92DB18}" type="datetimeFigureOut">
               <a:rPr lang="zh-CN" altLang="en-US" smtClean="0"/>
-              <a:t>2016/4/24</a:t>
+              <a:t>2016/4/27</a:t>
             </a:fld>
             <a:endParaRPr lang="zh-CN" altLang="en-US"/>
           </a:p>
@@ -256,7 +258,7 @@
       </p:sp>
       <p:sp>
         <p:nvSpPr>
-          <p:cNvPr id="5" name="页脚占位符 4"/>
+          <p:cNvPr id="5" name="Footer Placeholder 4"/>
           <p:cNvSpPr>
             <a:spLocks noGrp="1"/>
           </p:cNvSpPr>
@@ -275,7 +277,7 @@
       </p:sp>
       <p:sp>
         <p:nvSpPr>
-          <p:cNvPr id="6" name="灯片编号占位符 5"/>
+          <p:cNvPr id="6" name="Slide Number Placeholder 5"/>
           <p:cNvSpPr>
             <a:spLocks noGrp="1"/>
           </p:cNvSpPr>
@@ -299,7 +301,7 @@
     </p:spTree>
     <p:extLst>
       <p:ext uri="{BB962C8B-B14F-4D97-AF65-F5344CB8AC3E}">
-        <p14:creationId xmlns:p14="http://schemas.microsoft.com/office/powerpoint/2010/main" val="2607017662"/>
+        <p14:creationId xmlns:p14="http://schemas.microsoft.com/office/powerpoint/2010/main" val="323136033"/>
       </p:ext>
     </p:extLst>
   </p:cSld>
@@ -328,7 +330,7 @@
       </p:grpSpPr>
       <p:sp>
         <p:nvSpPr>
-          <p:cNvPr id="2" name="标题 1"/>
+          <p:cNvPr id="2" name="Title 1"/>
           <p:cNvSpPr>
             <a:spLocks noGrp="1"/>
           </p:cNvSpPr>
@@ -345,13 +347,13 @@
               <a:rPr lang="zh-CN" altLang="en-US" smtClean="0"/>
               <a:t>单击此处编辑母版标题样式</a:t>
             </a:r>
-            <a:endParaRPr lang="zh-CN" altLang="en-US"/>
-          </a:p>
-        </p:txBody>
-      </p:sp>
-      <p:sp>
-        <p:nvSpPr>
-          <p:cNvPr id="3" name="竖排文字占位符 2"/>
+            <a:endParaRPr lang="en-US" dirty="0"/>
+          </a:p>
+        </p:txBody>
+      </p:sp>
+      <p:sp>
+        <p:nvSpPr>
+          <p:cNvPr id="3" name="Vertical Text Placeholder 2"/>
           <p:cNvSpPr>
             <a:spLocks noGrp="1"/>
           </p:cNvSpPr>
@@ -397,13 +399,13 @@
               <a:rPr lang="zh-CN" altLang="en-US" smtClean="0"/>
               <a:t>第五级</a:t>
             </a:r>
-            <a:endParaRPr lang="zh-CN" altLang="en-US"/>
-          </a:p>
-        </p:txBody>
-      </p:sp>
-      <p:sp>
-        <p:nvSpPr>
-          <p:cNvPr id="4" name="日期占位符 3"/>
+            <a:endParaRPr lang="en-US" dirty="0"/>
+          </a:p>
+        </p:txBody>
+      </p:sp>
+      <p:sp>
+        <p:nvSpPr>
+          <p:cNvPr id="4" name="Date Placeholder 3"/>
           <p:cNvSpPr>
             <a:spLocks noGrp="1"/>
           </p:cNvSpPr>
@@ -418,7 +420,7 @@
           <a:p>
             <a:fld id="{6BFF06CF-82A3-4CD1-B5D6-A02F9C92DB18}" type="datetimeFigureOut">
               <a:rPr lang="zh-CN" altLang="en-US" smtClean="0"/>
-              <a:t>2016/4/24</a:t>
+              <a:t>2016/4/27</a:t>
             </a:fld>
             <a:endParaRPr lang="zh-CN" altLang="en-US"/>
           </a:p>
@@ -426,7 +428,7 @@
       </p:sp>
       <p:sp>
         <p:nvSpPr>
-          <p:cNvPr id="5" name="页脚占位符 4"/>
+          <p:cNvPr id="5" name="Footer Placeholder 4"/>
           <p:cNvSpPr>
             <a:spLocks noGrp="1"/>
           </p:cNvSpPr>
@@ -445,7 +447,7 @@
       </p:sp>
       <p:sp>
         <p:nvSpPr>
-          <p:cNvPr id="6" name="灯片编号占位符 5"/>
+          <p:cNvPr id="6" name="Slide Number Placeholder 5"/>
           <p:cNvSpPr>
             <a:spLocks noGrp="1"/>
           </p:cNvSpPr>
@@ -469,7 +471,7 @@
     </p:spTree>
     <p:extLst>
       <p:ext uri="{BB962C8B-B14F-4D97-AF65-F5344CB8AC3E}">
-        <p14:creationId xmlns:p14="http://schemas.microsoft.com/office/powerpoint/2010/main" val="2158370646"/>
+        <p14:creationId xmlns:p14="http://schemas.microsoft.com/office/powerpoint/2010/main" val="1411977172"/>
       </p:ext>
     </p:extLst>
   </p:cSld>
@@ -498,7 +500,7 @@
       </p:grpSpPr>
       <p:sp>
         <p:nvSpPr>
-          <p:cNvPr id="2" name="竖排标题 1"/>
+          <p:cNvPr id="2" name="Vertical Title 1"/>
           <p:cNvSpPr>
             <a:spLocks noGrp="1"/>
           </p:cNvSpPr>
@@ -508,8 +510,8 @@
         </p:nvSpPr>
         <p:spPr>
           <a:xfrm>
-            <a:off x="8724900" y="365125"/>
-            <a:ext cx="2628900" cy="5811838"/>
+            <a:off x="6543675" y="365125"/>
+            <a:ext cx="1971675" cy="5811838"/>
           </a:xfrm>
         </p:spPr>
         <p:txBody>
@@ -520,13 +522,13 @@
               <a:rPr lang="zh-CN" altLang="en-US" smtClean="0"/>
               <a:t>单击此处编辑母版标题样式</a:t>
             </a:r>
-            <a:endParaRPr lang="zh-CN" altLang="en-US"/>
-          </a:p>
-        </p:txBody>
-      </p:sp>
-      <p:sp>
-        <p:nvSpPr>
-          <p:cNvPr id="3" name="竖排文字占位符 2"/>
+            <a:endParaRPr lang="en-US" dirty="0"/>
+          </a:p>
+        </p:txBody>
+      </p:sp>
+      <p:sp>
+        <p:nvSpPr>
+          <p:cNvPr id="3" name="Vertical Text Placeholder 2"/>
           <p:cNvSpPr>
             <a:spLocks noGrp="1"/>
           </p:cNvSpPr>
@@ -536,8 +538,8 @@
         </p:nvSpPr>
         <p:spPr>
           <a:xfrm>
-            <a:off x="838200" y="365125"/>
-            <a:ext cx="7734300" cy="5811838"/>
+            <a:off x="628650" y="365125"/>
+            <a:ext cx="5800725" cy="5811838"/>
           </a:xfrm>
         </p:spPr>
         <p:txBody>
@@ -577,13 +579,13 @@
               <a:rPr lang="zh-CN" altLang="en-US" smtClean="0"/>
               <a:t>第五级</a:t>
             </a:r>
-            <a:endParaRPr lang="zh-CN" altLang="en-US"/>
-          </a:p>
-        </p:txBody>
-      </p:sp>
-      <p:sp>
-        <p:nvSpPr>
-          <p:cNvPr id="4" name="日期占位符 3"/>
+            <a:endParaRPr lang="en-US" dirty="0"/>
+          </a:p>
+        </p:txBody>
+      </p:sp>
+      <p:sp>
+        <p:nvSpPr>
+          <p:cNvPr id="4" name="Date Placeholder 3"/>
           <p:cNvSpPr>
             <a:spLocks noGrp="1"/>
           </p:cNvSpPr>
@@ -598,7 +600,7 @@
           <a:p>
             <a:fld id="{6BFF06CF-82A3-4CD1-B5D6-A02F9C92DB18}" type="datetimeFigureOut">
               <a:rPr lang="zh-CN" altLang="en-US" smtClean="0"/>
-              <a:t>2016/4/24</a:t>
+              <a:t>2016/4/27</a:t>
             </a:fld>
             <a:endParaRPr lang="zh-CN" altLang="en-US"/>
           </a:p>
@@ -606,7 +608,7 @@
       </p:sp>
       <p:sp>
         <p:nvSpPr>
-          <p:cNvPr id="5" name="页脚占位符 4"/>
+          <p:cNvPr id="5" name="Footer Placeholder 4"/>
           <p:cNvSpPr>
             <a:spLocks noGrp="1"/>
           </p:cNvSpPr>
@@ -625,7 +627,7 @@
       </p:sp>
       <p:sp>
         <p:nvSpPr>
-          <p:cNvPr id="6" name="灯片编号占位符 5"/>
+          <p:cNvPr id="6" name="Slide Number Placeholder 5"/>
           <p:cNvSpPr>
             <a:spLocks noGrp="1"/>
           </p:cNvSpPr>
@@ -649,7 +651,7 @@
     </p:spTree>
     <p:extLst>
       <p:ext uri="{BB962C8B-B14F-4D97-AF65-F5344CB8AC3E}">
-        <p14:creationId xmlns:p14="http://schemas.microsoft.com/office/powerpoint/2010/main" val="1063719061"/>
+        <p14:creationId xmlns:p14="http://schemas.microsoft.com/office/powerpoint/2010/main" val="2196271474"/>
       </p:ext>
     </p:extLst>
   </p:cSld>
@@ -678,7 +680,7 @@
       </p:grpSpPr>
       <p:sp>
         <p:nvSpPr>
-          <p:cNvPr id="2" name="标题 1"/>
+          <p:cNvPr id="2" name="Title 1"/>
           <p:cNvSpPr>
             <a:spLocks noGrp="1"/>
           </p:cNvSpPr>
@@ -695,13 +697,13 @@
               <a:rPr lang="zh-CN" altLang="en-US" smtClean="0"/>
               <a:t>单击此处编辑母版标题样式</a:t>
             </a:r>
-            <a:endParaRPr lang="zh-CN" altLang="en-US"/>
-          </a:p>
-        </p:txBody>
-      </p:sp>
-      <p:sp>
-        <p:nvSpPr>
-          <p:cNvPr id="3" name="内容占位符 2"/>
+            <a:endParaRPr lang="en-US" dirty="0"/>
+          </a:p>
+        </p:txBody>
+      </p:sp>
+      <p:sp>
+        <p:nvSpPr>
+          <p:cNvPr id="3" name="Content Placeholder 2"/>
           <p:cNvSpPr>
             <a:spLocks noGrp="1"/>
           </p:cNvSpPr>
@@ -747,13 +749,13 @@
               <a:rPr lang="zh-CN" altLang="en-US" smtClean="0"/>
               <a:t>第五级</a:t>
             </a:r>
-            <a:endParaRPr lang="zh-CN" altLang="en-US"/>
-          </a:p>
-        </p:txBody>
-      </p:sp>
-      <p:sp>
-        <p:nvSpPr>
-          <p:cNvPr id="4" name="日期占位符 3"/>
+            <a:endParaRPr lang="en-US" dirty="0"/>
+          </a:p>
+        </p:txBody>
+      </p:sp>
+      <p:sp>
+        <p:nvSpPr>
+          <p:cNvPr id="4" name="Date Placeholder 3"/>
           <p:cNvSpPr>
             <a:spLocks noGrp="1"/>
           </p:cNvSpPr>
@@ -768,7 +770,7 @@
           <a:p>
             <a:fld id="{6BFF06CF-82A3-4CD1-B5D6-A02F9C92DB18}" type="datetimeFigureOut">
               <a:rPr lang="zh-CN" altLang="en-US" smtClean="0"/>
-              <a:t>2016/4/24</a:t>
+              <a:t>2016/4/27</a:t>
             </a:fld>
             <a:endParaRPr lang="zh-CN" altLang="en-US"/>
           </a:p>
@@ -776,7 +778,7 @@
       </p:sp>
       <p:sp>
         <p:nvSpPr>
-          <p:cNvPr id="5" name="页脚占位符 4"/>
+          <p:cNvPr id="5" name="Footer Placeholder 4"/>
           <p:cNvSpPr>
             <a:spLocks noGrp="1"/>
           </p:cNvSpPr>
@@ -795,7 +797,7 @@
       </p:sp>
       <p:sp>
         <p:nvSpPr>
-          <p:cNvPr id="6" name="灯片编号占位符 5"/>
+          <p:cNvPr id="6" name="Slide Number Placeholder 5"/>
           <p:cNvSpPr>
             <a:spLocks noGrp="1"/>
           </p:cNvSpPr>
@@ -819,7 +821,7 @@
     </p:spTree>
     <p:extLst>
       <p:ext uri="{BB962C8B-B14F-4D97-AF65-F5344CB8AC3E}">
-        <p14:creationId xmlns:p14="http://schemas.microsoft.com/office/powerpoint/2010/main" val="2769534137"/>
+        <p14:creationId xmlns:p14="http://schemas.microsoft.com/office/powerpoint/2010/main" val="2721368959"/>
       </p:ext>
     </p:extLst>
   </p:cSld>
@@ -848,7 +850,7 @@
       </p:grpSpPr>
       <p:sp>
         <p:nvSpPr>
-          <p:cNvPr id="2" name="标题 1"/>
+          <p:cNvPr id="2" name="Title 1"/>
           <p:cNvSpPr>
             <a:spLocks noGrp="1"/>
           </p:cNvSpPr>
@@ -858,8 +860,8 @@
         </p:nvSpPr>
         <p:spPr>
           <a:xfrm>
-            <a:off x="831850" y="1709738"/>
-            <a:ext cx="10515600" cy="2852737"/>
+            <a:off x="623888" y="1709739"/>
+            <a:ext cx="7886700" cy="2852737"/>
           </a:xfrm>
         </p:spPr>
         <p:txBody>
@@ -874,13 +876,13 @@
               <a:rPr lang="zh-CN" altLang="en-US" smtClean="0"/>
               <a:t>单击此处编辑母版标题样式</a:t>
             </a:r>
-            <a:endParaRPr lang="zh-CN" altLang="en-US"/>
-          </a:p>
-        </p:txBody>
-      </p:sp>
-      <p:sp>
-        <p:nvSpPr>
-          <p:cNvPr id="3" name="文本占位符 2"/>
+            <a:endParaRPr lang="en-US" dirty="0"/>
+          </a:p>
+        </p:txBody>
+      </p:sp>
+      <p:sp>
+        <p:nvSpPr>
+          <p:cNvPr id="3" name="Text Placeholder 2"/>
           <p:cNvSpPr>
             <a:spLocks noGrp="1"/>
           </p:cNvSpPr>
@@ -890,8 +892,8 @@
         </p:nvSpPr>
         <p:spPr>
           <a:xfrm>
-            <a:off x="831850" y="4589463"/>
-            <a:ext cx="10515600" cy="1500187"/>
+            <a:off x="623888" y="4589464"/>
+            <a:ext cx="7886700" cy="1500187"/>
           </a:xfrm>
         </p:spPr>
         <p:txBody>
@@ -901,9 +903,7 @@
               <a:buNone/>
               <a:defRPr sz="2400">
                 <a:solidFill>
-                  <a:schemeClr val="tx1">
-                    <a:tint val="75000"/>
-                  </a:schemeClr>
+                  <a:schemeClr val="tx1"/>
                 </a:solidFill>
               </a:defRPr>
             </a:lvl1pPr>
@@ -999,7 +999,7 @@
       </p:sp>
       <p:sp>
         <p:nvSpPr>
-          <p:cNvPr id="4" name="日期占位符 3"/>
+          <p:cNvPr id="4" name="Date Placeholder 3"/>
           <p:cNvSpPr>
             <a:spLocks noGrp="1"/>
           </p:cNvSpPr>
@@ -1014,7 +1014,7 @@
           <a:p>
             <a:fld id="{6BFF06CF-82A3-4CD1-B5D6-A02F9C92DB18}" type="datetimeFigureOut">
               <a:rPr lang="zh-CN" altLang="en-US" smtClean="0"/>
-              <a:t>2016/4/24</a:t>
+              <a:t>2016/4/27</a:t>
             </a:fld>
             <a:endParaRPr lang="zh-CN" altLang="en-US"/>
           </a:p>
@@ -1022,7 +1022,7 @@
       </p:sp>
       <p:sp>
         <p:nvSpPr>
-          <p:cNvPr id="5" name="页脚占位符 4"/>
+          <p:cNvPr id="5" name="Footer Placeholder 4"/>
           <p:cNvSpPr>
             <a:spLocks noGrp="1"/>
           </p:cNvSpPr>
@@ -1041,7 +1041,7 @@
       </p:sp>
       <p:sp>
         <p:nvSpPr>
-          <p:cNvPr id="6" name="灯片编号占位符 5"/>
+          <p:cNvPr id="6" name="Slide Number Placeholder 5"/>
           <p:cNvSpPr>
             <a:spLocks noGrp="1"/>
           </p:cNvSpPr>
@@ -1065,7 +1065,7 @@
     </p:spTree>
     <p:extLst>
       <p:ext uri="{BB962C8B-B14F-4D97-AF65-F5344CB8AC3E}">
-        <p14:creationId xmlns:p14="http://schemas.microsoft.com/office/powerpoint/2010/main" val="2872705122"/>
+        <p14:creationId xmlns:p14="http://schemas.microsoft.com/office/powerpoint/2010/main" val="1473828223"/>
       </p:ext>
     </p:extLst>
   </p:cSld>
@@ -1094,7 +1094,7 @@
       </p:grpSpPr>
       <p:sp>
         <p:nvSpPr>
-          <p:cNvPr id="2" name="标题 1"/>
+          <p:cNvPr id="2" name="Title 1"/>
           <p:cNvSpPr>
             <a:spLocks noGrp="1"/>
           </p:cNvSpPr>
@@ -1111,13 +1111,13 @@
               <a:rPr lang="zh-CN" altLang="en-US" smtClean="0"/>
               <a:t>单击此处编辑母版标题样式</a:t>
             </a:r>
-            <a:endParaRPr lang="zh-CN" altLang="en-US"/>
-          </a:p>
-        </p:txBody>
-      </p:sp>
-      <p:sp>
-        <p:nvSpPr>
-          <p:cNvPr id="3" name="内容占位符 2"/>
+            <a:endParaRPr lang="en-US" dirty="0"/>
+          </a:p>
+        </p:txBody>
+      </p:sp>
+      <p:sp>
+        <p:nvSpPr>
+          <p:cNvPr id="3" name="Content Placeholder 2"/>
           <p:cNvSpPr>
             <a:spLocks noGrp="1"/>
           </p:cNvSpPr>
@@ -1127,8 +1127,8 @@
         </p:nvSpPr>
         <p:spPr>
           <a:xfrm>
-            <a:off x="838200" y="1825625"/>
-            <a:ext cx="5181600" cy="4351338"/>
+            <a:off x="628650" y="1825625"/>
+            <a:ext cx="3886200" cy="4351338"/>
           </a:xfrm>
         </p:spPr>
         <p:txBody>
@@ -1168,13 +1168,13 @@
               <a:rPr lang="zh-CN" altLang="en-US" smtClean="0"/>
               <a:t>第五级</a:t>
             </a:r>
-            <a:endParaRPr lang="zh-CN" altLang="en-US"/>
-          </a:p>
-        </p:txBody>
-      </p:sp>
-      <p:sp>
-        <p:nvSpPr>
-          <p:cNvPr id="4" name="内容占位符 3"/>
+            <a:endParaRPr lang="en-US" dirty="0"/>
+          </a:p>
+        </p:txBody>
+      </p:sp>
+      <p:sp>
+        <p:nvSpPr>
+          <p:cNvPr id="4" name="Content Placeholder 3"/>
           <p:cNvSpPr>
             <a:spLocks noGrp="1"/>
           </p:cNvSpPr>
@@ -1184,8 +1184,8 @@
         </p:nvSpPr>
         <p:spPr>
           <a:xfrm>
-            <a:off x="6172200" y="1825625"/>
-            <a:ext cx="5181600" cy="4351338"/>
+            <a:off x="4629150" y="1825625"/>
+            <a:ext cx="3886200" cy="4351338"/>
           </a:xfrm>
         </p:spPr>
         <p:txBody>
@@ -1225,13 +1225,13 @@
               <a:rPr lang="zh-CN" altLang="en-US" smtClean="0"/>
               <a:t>第五级</a:t>
             </a:r>
-            <a:endParaRPr lang="zh-CN" altLang="en-US"/>
-          </a:p>
-        </p:txBody>
-      </p:sp>
-      <p:sp>
-        <p:nvSpPr>
-          <p:cNvPr id="5" name="日期占位符 4"/>
+            <a:endParaRPr lang="en-US" dirty="0"/>
+          </a:p>
+        </p:txBody>
+      </p:sp>
+      <p:sp>
+        <p:nvSpPr>
+          <p:cNvPr id="5" name="Date Placeholder 4"/>
           <p:cNvSpPr>
             <a:spLocks noGrp="1"/>
           </p:cNvSpPr>
@@ -1246,7 +1246,7 @@
           <a:p>
             <a:fld id="{6BFF06CF-82A3-4CD1-B5D6-A02F9C92DB18}" type="datetimeFigureOut">
               <a:rPr lang="zh-CN" altLang="en-US" smtClean="0"/>
-              <a:t>2016/4/24</a:t>
+              <a:t>2016/4/27</a:t>
             </a:fld>
             <a:endParaRPr lang="zh-CN" altLang="en-US"/>
           </a:p>
@@ -1254,7 +1254,7 @@
       </p:sp>
       <p:sp>
         <p:nvSpPr>
-          <p:cNvPr id="6" name="页脚占位符 5"/>
+          <p:cNvPr id="6" name="Footer Placeholder 5"/>
           <p:cNvSpPr>
             <a:spLocks noGrp="1"/>
           </p:cNvSpPr>
@@ -1273,7 +1273,7 @@
       </p:sp>
       <p:sp>
         <p:nvSpPr>
-          <p:cNvPr id="7" name="灯片编号占位符 6"/>
+          <p:cNvPr id="7" name="Slide Number Placeholder 6"/>
           <p:cNvSpPr>
             <a:spLocks noGrp="1"/>
           </p:cNvSpPr>
@@ -1297,7 +1297,7 @@
     </p:spTree>
     <p:extLst>
       <p:ext uri="{BB962C8B-B14F-4D97-AF65-F5344CB8AC3E}">
-        <p14:creationId xmlns:p14="http://schemas.microsoft.com/office/powerpoint/2010/main" val="946074510"/>
+        <p14:creationId xmlns:p14="http://schemas.microsoft.com/office/powerpoint/2010/main" val="415025986"/>
       </p:ext>
     </p:extLst>
   </p:cSld>
@@ -1326,7 +1326,7 @@
       </p:grpSpPr>
       <p:sp>
         <p:nvSpPr>
-          <p:cNvPr id="2" name="标题 1"/>
+          <p:cNvPr id="2" name="Title 1"/>
           <p:cNvSpPr>
             <a:spLocks noGrp="1"/>
           </p:cNvSpPr>
@@ -1336,8 +1336,8 @@
         </p:nvSpPr>
         <p:spPr>
           <a:xfrm>
-            <a:off x="839788" y="365125"/>
-            <a:ext cx="10515600" cy="1325563"/>
+            <a:off x="629841" y="365126"/>
+            <a:ext cx="7886700" cy="1325563"/>
           </a:xfrm>
         </p:spPr>
         <p:txBody>
@@ -1348,13 +1348,13 @@
               <a:rPr lang="zh-CN" altLang="en-US" smtClean="0"/>
               <a:t>单击此处编辑母版标题样式</a:t>
             </a:r>
-            <a:endParaRPr lang="zh-CN" altLang="en-US"/>
-          </a:p>
-        </p:txBody>
-      </p:sp>
-      <p:sp>
-        <p:nvSpPr>
-          <p:cNvPr id="3" name="文本占位符 2"/>
+            <a:endParaRPr lang="en-US" dirty="0"/>
+          </a:p>
+        </p:txBody>
+      </p:sp>
+      <p:sp>
+        <p:nvSpPr>
+          <p:cNvPr id="3" name="Text Placeholder 2"/>
           <p:cNvSpPr>
             <a:spLocks noGrp="1"/>
           </p:cNvSpPr>
@@ -1364,8 +1364,8 @@
         </p:nvSpPr>
         <p:spPr>
           <a:xfrm>
-            <a:off x="839788" y="1681163"/>
-            <a:ext cx="5157787" cy="823912"/>
+            <a:off x="629842" y="1681163"/>
+            <a:ext cx="3868340" cy="823912"/>
           </a:xfrm>
         </p:spPr>
         <p:txBody>
@@ -1419,7 +1419,7 @@
       </p:sp>
       <p:sp>
         <p:nvSpPr>
-          <p:cNvPr id="4" name="内容占位符 3"/>
+          <p:cNvPr id="4" name="Content Placeholder 3"/>
           <p:cNvSpPr>
             <a:spLocks noGrp="1"/>
           </p:cNvSpPr>
@@ -1429,8 +1429,8 @@
         </p:nvSpPr>
         <p:spPr>
           <a:xfrm>
-            <a:off x="839788" y="2505075"/>
-            <a:ext cx="5157787" cy="3684588"/>
+            <a:off x="629842" y="2505075"/>
+            <a:ext cx="3868340" cy="3684588"/>
           </a:xfrm>
         </p:spPr>
         <p:txBody>
@@ -1470,13 +1470,13 @@
               <a:rPr lang="zh-CN" altLang="en-US" smtClean="0"/>
               <a:t>第五级</a:t>
             </a:r>
-            <a:endParaRPr lang="zh-CN" altLang="en-US"/>
-          </a:p>
-        </p:txBody>
-      </p:sp>
-      <p:sp>
-        <p:nvSpPr>
-          <p:cNvPr id="5" name="文本占位符 4"/>
+            <a:endParaRPr lang="en-US" dirty="0"/>
+          </a:p>
+        </p:txBody>
+      </p:sp>
+      <p:sp>
+        <p:nvSpPr>
+          <p:cNvPr id="5" name="Text Placeholder 4"/>
           <p:cNvSpPr>
             <a:spLocks noGrp="1"/>
           </p:cNvSpPr>
@@ -1486,8 +1486,8 @@
         </p:nvSpPr>
         <p:spPr>
           <a:xfrm>
-            <a:off x="6172200" y="1681163"/>
-            <a:ext cx="5183188" cy="823912"/>
+            <a:off x="4629150" y="1681163"/>
+            <a:ext cx="3887391" cy="823912"/>
           </a:xfrm>
         </p:spPr>
         <p:txBody>
@@ -1541,7 +1541,7 @@
       </p:sp>
       <p:sp>
         <p:nvSpPr>
-          <p:cNvPr id="6" name="内容占位符 5"/>
+          <p:cNvPr id="6" name="Content Placeholder 5"/>
           <p:cNvSpPr>
             <a:spLocks noGrp="1"/>
           </p:cNvSpPr>
@@ -1551,8 +1551,8 @@
         </p:nvSpPr>
         <p:spPr>
           <a:xfrm>
-            <a:off x="6172200" y="2505075"/>
-            <a:ext cx="5183188" cy="3684588"/>
+            <a:off x="4629150" y="2505075"/>
+            <a:ext cx="3887391" cy="3684588"/>
           </a:xfrm>
         </p:spPr>
         <p:txBody>
@@ -1592,13 +1592,13 @@
               <a:rPr lang="zh-CN" altLang="en-US" smtClean="0"/>
               <a:t>第五级</a:t>
             </a:r>
-            <a:endParaRPr lang="zh-CN" altLang="en-US"/>
-          </a:p>
-        </p:txBody>
-      </p:sp>
-      <p:sp>
-        <p:nvSpPr>
-          <p:cNvPr id="7" name="日期占位符 6"/>
+            <a:endParaRPr lang="en-US" dirty="0"/>
+          </a:p>
+        </p:txBody>
+      </p:sp>
+      <p:sp>
+        <p:nvSpPr>
+          <p:cNvPr id="7" name="Date Placeholder 6"/>
           <p:cNvSpPr>
             <a:spLocks noGrp="1"/>
           </p:cNvSpPr>
@@ -1613,7 +1613,7 @@
           <a:p>
             <a:fld id="{6BFF06CF-82A3-4CD1-B5D6-A02F9C92DB18}" type="datetimeFigureOut">
               <a:rPr lang="zh-CN" altLang="en-US" smtClean="0"/>
-              <a:t>2016/4/24</a:t>
+              <a:t>2016/4/27</a:t>
             </a:fld>
             <a:endParaRPr lang="zh-CN" altLang="en-US"/>
           </a:p>
@@ -1621,7 +1621,7 @@
       </p:sp>
       <p:sp>
         <p:nvSpPr>
-          <p:cNvPr id="8" name="页脚占位符 7"/>
+          <p:cNvPr id="8" name="Footer Placeholder 7"/>
           <p:cNvSpPr>
             <a:spLocks noGrp="1"/>
           </p:cNvSpPr>
@@ -1640,7 +1640,7 @@
       </p:sp>
       <p:sp>
         <p:nvSpPr>
-          <p:cNvPr id="9" name="灯片编号占位符 8"/>
+          <p:cNvPr id="9" name="Slide Number Placeholder 8"/>
           <p:cNvSpPr>
             <a:spLocks noGrp="1"/>
           </p:cNvSpPr>
@@ -1664,7 +1664,7 @@
     </p:spTree>
     <p:extLst>
       <p:ext uri="{BB962C8B-B14F-4D97-AF65-F5344CB8AC3E}">
-        <p14:creationId xmlns:p14="http://schemas.microsoft.com/office/powerpoint/2010/main" val="2197349792"/>
+        <p14:creationId xmlns:p14="http://schemas.microsoft.com/office/powerpoint/2010/main" val="4151028501"/>
       </p:ext>
     </p:extLst>
   </p:cSld>
@@ -1693,7 +1693,7 @@
       </p:grpSpPr>
       <p:sp>
         <p:nvSpPr>
-          <p:cNvPr id="2" name="标题 1"/>
+          <p:cNvPr id="2" name="Title 1"/>
           <p:cNvSpPr>
             <a:spLocks noGrp="1"/>
           </p:cNvSpPr>
@@ -1710,13 +1710,13 @@
               <a:rPr lang="zh-CN" altLang="en-US" smtClean="0"/>
               <a:t>单击此处编辑母版标题样式</a:t>
             </a:r>
-            <a:endParaRPr lang="zh-CN" altLang="en-US"/>
-          </a:p>
-        </p:txBody>
-      </p:sp>
-      <p:sp>
-        <p:nvSpPr>
-          <p:cNvPr id="3" name="日期占位符 2"/>
+            <a:endParaRPr lang="en-US" dirty="0"/>
+          </a:p>
+        </p:txBody>
+      </p:sp>
+      <p:sp>
+        <p:nvSpPr>
+          <p:cNvPr id="3" name="Date Placeholder 2"/>
           <p:cNvSpPr>
             <a:spLocks noGrp="1"/>
           </p:cNvSpPr>
@@ -1731,7 +1731,7 @@
           <a:p>
             <a:fld id="{6BFF06CF-82A3-4CD1-B5D6-A02F9C92DB18}" type="datetimeFigureOut">
               <a:rPr lang="zh-CN" altLang="en-US" smtClean="0"/>
-              <a:t>2016/4/24</a:t>
+              <a:t>2016/4/27</a:t>
             </a:fld>
             <a:endParaRPr lang="zh-CN" altLang="en-US"/>
           </a:p>
@@ -1739,7 +1739,7 @@
       </p:sp>
       <p:sp>
         <p:nvSpPr>
-          <p:cNvPr id="4" name="页脚占位符 3"/>
+          <p:cNvPr id="4" name="Footer Placeholder 3"/>
           <p:cNvSpPr>
             <a:spLocks noGrp="1"/>
           </p:cNvSpPr>
@@ -1758,7 +1758,7 @@
       </p:sp>
       <p:sp>
         <p:nvSpPr>
-          <p:cNvPr id="5" name="灯片编号占位符 4"/>
+          <p:cNvPr id="5" name="Slide Number Placeholder 4"/>
           <p:cNvSpPr>
             <a:spLocks noGrp="1"/>
           </p:cNvSpPr>
@@ -1782,7 +1782,7 @@
     </p:spTree>
     <p:extLst>
       <p:ext uri="{BB962C8B-B14F-4D97-AF65-F5344CB8AC3E}">
-        <p14:creationId xmlns:p14="http://schemas.microsoft.com/office/powerpoint/2010/main" val="3140623055"/>
+        <p14:creationId xmlns:p14="http://schemas.microsoft.com/office/powerpoint/2010/main" val="1625744173"/>
       </p:ext>
     </p:extLst>
   </p:cSld>
@@ -1811,7 +1811,7 @@
       </p:grpSpPr>
       <p:sp>
         <p:nvSpPr>
-          <p:cNvPr id="2" name="日期占位符 1"/>
+          <p:cNvPr id="2" name="Date Placeholder 1"/>
           <p:cNvSpPr>
             <a:spLocks noGrp="1"/>
           </p:cNvSpPr>
@@ -1826,7 +1826,7 @@
           <a:p>
             <a:fld id="{6BFF06CF-82A3-4CD1-B5D6-A02F9C92DB18}" type="datetimeFigureOut">
               <a:rPr lang="zh-CN" altLang="en-US" smtClean="0"/>
-              <a:t>2016/4/24</a:t>
+              <a:t>2016/4/27</a:t>
             </a:fld>
             <a:endParaRPr lang="zh-CN" altLang="en-US"/>
           </a:p>
@@ -1834,7 +1834,7 @@
       </p:sp>
       <p:sp>
         <p:nvSpPr>
-          <p:cNvPr id="3" name="页脚占位符 2"/>
+          <p:cNvPr id="3" name="Footer Placeholder 2"/>
           <p:cNvSpPr>
             <a:spLocks noGrp="1"/>
           </p:cNvSpPr>
@@ -1853,7 +1853,7 @@
       </p:sp>
       <p:sp>
         <p:nvSpPr>
-          <p:cNvPr id="4" name="灯片编号占位符 3"/>
+          <p:cNvPr id="4" name="Slide Number Placeholder 3"/>
           <p:cNvSpPr>
             <a:spLocks noGrp="1"/>
           </p:cNvSpPr>
@@ -1877,7 +1877,7 @@
     </p:spTree>
     <p:extLst>
       <p:ext uri="{BB962C8B-B14F-4D97-AF65-F5344CB8AC3E}">
-        <p14:creationId xmlns:p14="http://schemas.microsoft.com/office/powerpoint/2010/main" val="1979020923"/>
+        <p14:creationId xmlns:p14="http://schemas.microsoft.com/office/powerpoint/2010/main" val="2159467055"/>
       </p:ext>
     </p:extLst>
   </p:cSld>
@@ -1906,7 +1906,7 @@
       </p:grpSpPr>
       <p:sp>
         <p:nvSpPr>
-          <p:cNvPr id="2" name="标题 1"/>
+          <p:cNvPr id="2" name="Title 1"/>
           <p:cNvSpPr>
             <a:spLocks noGrp="1"/>
           </p:cNvSpPr>
@@ -1916,8 +1916,8 @@
         </p:nvSpPr>
         <p:spPr>
           <a:xfrm>
-            <a:off x="839788" y="457200"/>
-            <a:ext cx="3932237" cy="1600200"/>
+            <a:off x="629841" y="457200"/>
+            <a:ext cx="2949178" cy="1600200"/>
           </a:xfrm>
         </p:spPr>
         <p:txBody>
@@ -1932,13 +1932,13 @@
               <a:rPr lang="zh-CN" altLang="en-US" smtClean="0"/>
               <a:t>单击此处编辑母版标题样式</a:t>
             </a:r>
-            <a:endParaRPr lang="zh-CN" altLang="en-US"/>
-          </a:p>
-        </p:txBody>
-      </p:sp>
-      <p:sp>
-        <p:nvSpPr>
-          <p:cNvPr id="3" name="内容占位符 2"/>
+            <a:endParaRPr lang="en-US" dirty="0"/>
+          </a:p>
+        </p:txBody>
+      </p:sp>
+      <p:sp>
+        <p:nvSpPr>
+          <p:cNvPr id="3" name="Content Placeholder 2"/>
           <p:cNvSpPr>
             <a:spLocks noGrp="1"/>
           </p:cNvSpPr>
@@ -1948,8 +1948,8 @@
         </p:nvSpPr>
         <p:spPr>
           <a:xfrm>
-            <a:off x="5183188" y="987425"/>
-            <a:ext cx="6172200" cy="4873625"/>
+            <a:off x="3887391" y="987426"/>
+            <a:ext cx="4629150" cy="4873625"/>
           </a:xfrm>
         </p:spPr>
         <p:txBody>
@@ -2017,13 +2017,13 @@
               <a:rPr lang="zh-CN" altLang="en-US" smtClean="0"/>
               <a:t>第五级</a:t>
             </a:r>
-            <a:endParaRPr lang="zh-CN" altLang="en-US"/>
-          </a:p>
-        </p:txBody>
-      </p:sp>
-      <p:sp>
-        <p:nvSpPr>
-          <p:cNvPr id="4" name="文本占位符 3"/>
+            <a:endParaRPr lang="en-US" dirty="0"/>
+          </a:p>
+        </p:txBody>
+      </p:sp>
+      <p:sp>
+        <p:nvSpPr>
+          <p:cNvPr id="4" name="Text Placeholder 3"/>
           <p:cNvSpPr>
             <a:spLocks noGrp="1"/>
           </p:cNvSpPr>
@@ -2033,8 +2033,8 @@
         </p:nvSpPr>
         <p:spPr>
           <a:xfrm>
-            <a:off x="839788" y="2057400"/>
-            <a:ext cx="3932237" cy="3811588"/>
+            <a:off x="629841" y="2057400"/>
+            <a:ext cx="2949178" cy="3811588"/>
           </a:xfrm>
         </p:spPr>
         <p:txBody>
@@ -2088,7 +2088,7 @@
       </p:sp>
       <p:sp>
         <p:nvSpPr>
-          <p:cNvPr id="5" name="日期占位符 4"/>
+          <p:cNvPr id="5" name="Date Placeholder 4"/>
           <p:cNvSpPr>
             <a:spLocks noGrp="1"/>
           </p:cNvSpPr>
@@ -2103,7 +2103,7 @@
           <a:p>
             <a:fld id="{6BFF06CF-82A3-4CD1-B5D6-A02F9C92DB18}" type="datetimeFigureOut">
               <a:rPr lang="zh-CN" altLang="en-US" smtClean="0"/>
-              <a:t>2016/4/24</a:t>
+              <a:t>2016/4/27</a:t>
             </a:fld>
             <a:endParaRPr lang="zh-CN" altLang="en-US"/>
           </a:p>
@@ -2111,7 +2111,7 @@
       </p:sp>
       <p:sp>
         <p:nvSpPr>
-          <p:cNvPr id="6" name="页脚占位符 5"/>
+          <p:cNvPr id="6" name="Footer Placeholder 5"/>
           <p:cNvSpPr>
             <a:spLocks noGrp="1"/>
           </p:cNvSpPr>
@@ -2130,7 +2130,7 @@
       </p:sp>
       <p:sp>
         <p:nvSpPr>
-          <p:cNvPr id="7" name="灯片编号占位符 6"/>
+          <p:cNvPr id="7" name="Slide Number Placeholder 6"/>
           <p:cNvSpPr>
             <a:spLocks noGrp="1"/>
           </p:cNvSpPr>
@@ -2154,7 +2154,7 @@
     </p:spTree>
     <p:extLst>
       <p:ext uri="{BB962C8B-B14F-4D97-AF65-F5344CB8AC3E}">
-        <p14:creationId xmlns:p14="http://schemas.microsoft.com/office/powerpoint/2010/main" val="1635501244"/>
+        <p14:creationId xmlns:p14="http://schemas.microsoft.com/office/powerpoint/2010/main" val="2971891800"/>
       </p:ext>
     </p:extLst>
   </p:cSld>
@@ -2183,7 +2183,7 @@
       </p:grpSpPr>
       <p:sp>
         <p:nvSpPr>
-          <p:cNvPr id="2" name="标题 1"/>
+          <p:cNvPr id="2" name="Title 1"/>
           <p:cNvSpPr>
             <a:spLocks noGrp="1"/>
           </p:cNvSpPr>
@@ -2193,8 +2193,8 @@
         </p:nvSpPr>
         <p:spPr>
           <a:xfrm>
-            <a:off x="839788" y="457200"/>
-            <a:ext cx="3932237" cy="1600200"/>
+            <a:off x="629841" y="457200"/>
+            <a:ext cx="2949178" cy="1600200"/>
           </a:xfrm>
         </p:spPr>
         <p:txBody>
@@ -2209,15 +2209,15 @@
               <a:rPr lang="zh-CN" altLang="en-US" smtClean="0"/>
               <a:t>单击此处编辑母版标题样式</a:t>
             </a:r>
-            <a:endParaRPr lang="zh-CN" altLang="en-US"/>
-          </a:p>
-        </p:txBody>
-      </p:sp>
-      <p:sp>
-        <p:nvSpPr>
-          <p:cNvPr id="3" name="图片占位符 2"/>
-          <p:cNvSpPr>
-            <a:spLocks noGrp="1"/>
+            <a:endParaRPr lang="en-US" dirty="0"/>
+          </a:p>
+        </p:txBody>
+      </p:sp>
+      <p:sp>
+        <p:nvSpPr>
+          <p:cNvPr id="3" name="Picture Placeholder 2"/>
+          <p:cNvSpPr>
+            <a:spLocks noGrp="1" noChangeAspect="1"/>
           </p:cNvSpPr>
           <p:nvPr>
             <p:ph type="pic" idx="1"/>
@@ -2225,12 +2225,12 @@
         </p:nvSpPr>
         <p:spPr>
           <a:xfrm>
-            <a:off x="5183188" y="987425"/>
-            <a:ext cx="6172200" cy="4873625"/>
+            <a:off x="3887391" y="987426"/>
+            <a:ext cx="4629150" cy="4873625"/>
           </a:xfrm>
         </p:spPr>
         <p:txBody>
-          <a:bodyPr/>
+          <a:bodyPr anchor="t"/>
           <a:lstStyle>
             <a:lvl1pPr marL="0" indent="0">
               <a:buNone/>
@@ -2270,13 +2270,17 @@
             </a:lvl9pPr>
           </a:lstStyle>
           <a:p>
-            <a:endParaRPr lang="zh-CN" altLang="en-US"/>
-          </a:p>
-        </p:txBody>
-      </p:sp>
-      <p:sp>
-        <p:nvSpPr>
-          <p:cNvPr id="4" name="文本占位符 3"/>
+            <a:r>
+              <a:rPr lang="zh-CN" altLang="en-US" smtClean="0"/>
+              <a:t>单击图标添加图片</a:t>
+            </a:r>
+            <a:endParaRPr lang="en-US" dirty="0"/>
+          </a:p>
+        </p:txBody>
+      </p:sp>
+      <p:sp>
+        <p:nvSpPr>
+          <p:cNvPr id="4" name="Text Placeholder 3"/>
           <p:cNvSpPr>
             <a:spLocks noGrp="1"/>
           </p:cNvSpPr>
@@ -2286,8 +2290,8 @@
         </p:nvSpPr>
         <p:spPr>
           <a:xfrm>
-            <a:off x="839788" y="2057400"/>
-            <a:ext cx="3932237" cy="3811588"/>
+            <a:off x="629841" y="2057400"/>
+            <a:ext cx="2949178" cy="3811588"/>
           </a:xfrm>
         </p:spPr>
         <p:txBody>
@@ -2341,7 +2345,7 @@
       </p:sp>
       <p:sp>
         <p:nvSpPr>
-          <p:cNvPr id="5" name="日期占位符 4"/>
+          <p:cNvPr id="5" name="Date Placeholder 4"/>
           <p:cNvSpPr>
             <a:spLocks noGrp="1"/>
           </p:cNvSpPr>
@@ -2356,7 +2360,7 @@
           <a:p>
             <a:fld id="{6BFF06CF-82A3-4CD1-B5D6-A02F9C92DB18}" type="datetimeFigureOut">
               <a:rPr lang="zh-CN" altLang="en-US" smtClean="0"/>
-              <a:t>2016/4/24</a:t>
+              <a:t>2016/4/27</a:t>
             </a:fld>
             <a:endParaRPr lang="zh-CN" altLang="en-US"/>
           </a:p>
@@ -2364,7 +2368,7 @@
       </p:sp>
       <p:sp>
         <p:nvSpPr>
-          <p:cNvPr id="6" name="页脚占位符 5"/>
+          <p:cNvPr id="6" name="Footer Placeholder 5"/>
           <p:cNvSpPr>
             <a:spLocks noGrp="1"/>
           </p:cNvSpPr>
@@ -2383,7 +2387,7 @@
       </p:sp>
       <p:sp>
         <p:nvSpPr>
-          <p:cNvPr id="7" name="灯片编号占位符 6"/>
+          <p:cNvPr id="7" name="Slide Number Placeholder 6"/>
           <p:cNvSpPr>
             <a:spLocks noGrp="1"/>
           </p:cNvSpPr>
@@ -2407,7 +2411,7 @@
     </p:spTree>
     <p:extLst>
       <p:ext uri="{BB962C8B-B14F-4D97-AF65-F5344CB8AC3E}">
-        <p14:creationId xmlns:p14="http://schemas.microsoft.com/office/powerpoint/2010/main" val="972739056"/>
+        <p14:creationId xmlns:p14="http://schemas.microsoft.com/office/powerpoint/2010/main" val="4197603641"/>
       </p:ext>
     </p:extLst>
   </p:cSld>
@@ -2441,7 +2445,7 @@
       </p:grpSpPr>
       <p:sp>
         <p:nvSpPr>
-          <p:cNvPr id="2" name="标题占位符 1"/>
+          <p:cNvPr id="2" name="Title Placeholder 1"/>
           <p:cNvSpPr>
             <a:spLocks noGrp="1"/>
           </p:cNvSpPr>
@@ -2451,8 +2455,8 @@
         </p:nvSpPr>
         <p:spPr>
           <a:xfrm>
-            <a:off x="838200" y="365125"/>
-            <a:ext cx="10515600" cy="1325563"/>
+            <a:off x="628650" y="365126"/>
+            <a:ext cx="7886700" cy="1325563"/>
           </a:xfrm>
           <a:prstGeom prst="rect">
             <a:avLst/>
@@ -2468,13 +2472,13 @@
               <a:rPr lang="zh-CN" altLang="en-US" smtClean="0"/>
               <a:t>单击此处编辑母版标题样式</a:t>
             </a:r>
-            <a:endParaRPr lang="zh-CN" altLang="en-US"/>
-          </a:p>
-        </p:txBody>
-      </p:sp>
-      <p:sp>
-        <p:nvSpPr>
-          <p:cNvPr id="3" name="文本占位符 2"/>
+            <a:endParaRPr lang="en-US" dirty="0"/>
+          </a:p>
+        </p:txBody>
+      </p:sp>
+      <p:sp>
+        <p:nvSpPr>
+          <p:cNvPr id="3" name="Text Placeholder 2"/>
           <p:cNvSpPr>
             <a:spLocks noGrp="1"/>
           </p:cNvSpPr>
@@ -2484,8 +2488,8 @@
         </p:nvSpPr>
         <p:spPr>
           <a:xfrm>
-            <a:off x="838200" y="1825625"/>
-            <a:ext cx="10515600" cy="4351338"/>
+            <a:off x="628650" y="1825625"/>
+            <a:ext cx="7886700" cy="4351338"/>
           </a:xfrm>
           <a:prstGeom prst="rect">
             <a:avLst/>
@@ -2530,13 +2534,13 @@
               <a:rPr lang="zh-CN" altLang="en-US" smtClean="0"/>
               <a:t>第五级</a:t>
             </a:r>
-            <a:endParaRPr lang="zh-CN" altLang="en-US"/>
-          </a:p>
-        </p:txBody>
-      </p:sp>
-      <p:sp>
-        <p:nvSpPr>
-          <p:cNvPr id="4" name="日期占位符 3"/>
+            <a:endParaRPr lang="en-US" dirty="0"/>
+          </a:p>
+        </p:txBody>
+      </p:sp>
+      <p:sp>
+        <p:nvSpPr>
+          <p:cNvPr id="4" name="Date Placeholder 3"/>
           <p:cNvSpPr>
             <a:spLocks noGrp="1"/>
           </p:cNvSpPr>
@@ -2546,8 +2550,8 @@
         </p:nvSpPr>
         <p:spPr>
           <a:xfrm>
-            <a:off x="838200" y="6356350"/>
-            <a:ext cx="2743200" cy="365125"/>
+            <a:off x="628650" y="6356351"/>
+            <a:ext cx="2057400" cy="365125"/>
           </a:xfrm>
           <a:prstGeom prst="rect">
             <a:avLst/>
@@ -2569,7 +2573,7 @@
           <a:p>
             <a:fld id="{6BFF06CF-82A3-4CD1-B5D6-A02F9C92DB18}" type="datetimeFigureOut">
               <a:rPr lang="zh-CN" altLang="en-US" smtClean="0"/>
-              <a:t>2016/4/24</a:t>
+              <a:t>2016/4/27</a:t>
             </a:fld>
             <a:endParaRPr lang="zh-CN" altLang="en-US"/>
           </a:p>
@@ -2577,7 +2581,7 @@
       </p:sp>
       <p:sp>
         <p:nvSpPr>
-          <p:cNvPr id="5" name="页脚占位符 4"/>
+          <p:cNvPr id="5" name="Footer Placeholder 4"/>
           <p:cNvSpPr>
             <a:spLocks noGrp="1"/>
           </p:cNvSpPr>
@@ -2587,8 +2591,8 @@
         </p:nvSpPr>
         <p:spPr>
           <a:xfrm>
-            <a:off x="4038600" y="6356350"/>
-            <a:ext cx="4114800" cy="365125"/>
+            <a:off x="3028950" y="6356351"/>
+            <a:ext cx="3086100" cy="365125"/>
           </a:xfrm>
           <a:prstGeom prst="rect">
             <a:avLst/>
@@ -2614,7 +2618,7 @@
       </p:sp>
       <p:sp>
         <p:nvSpPr>
-          <p:cNvPr id="6" name="灯片编号占位符 5"/>
+          <p:cNvPr id="6" name="Slide Number Placeholder 5"/>
           <p:cNvSpPr>
             <a:spLocks noGrp="1"/>
           </p:cNvSpPr>
@@ -2624,8 +2628,8 @@
         </p:nvSpPr>
         <p:spPr>
           <a:xfrm>
-            <a:off x="8610600" y="6356350"/>
-            <a:ext cx="2743200" cy="365125"/>
+            <a:off x="6457950" y="6356351"/>
+            <a:ext cx="2057400" cy="365125"/>
           </a:xfrm>
           <a:prstGeom prst="rect">
             <a:avLst/>
@@ -2656,23 +2660,23 @@
     </p:spTree>
     <p:extLst>
       <p:ext uri="{BB962C8B-B14F-4D97-AF65-F5344CB8AC3E}">
-        <p14:creationId xmlns:p14="http://schemas.microsoft.com/office/powerpoint/2010/main" val="1799513442"/>
+        <p14:creationId xmlns:p14="http://schemas.microsoft.com/office/powerpoint/2010/main" val="1961417340"/>
       </p:ext>
     </p:extLst>
   </p:cSld>
   <p:clrMap bg1="lt1" tx1="dk1" bg2="lt2" tx2="dk2" accent1="accent1" accent2="accent2" accent3="accent3" accent4="accent4" accent5="accent5" accent6="accent6" hlink="hlink" folHlink="folHlink"/>
   <p:sldLayoutIdLst>
-    <p:sldLayoutId id="2147483649" r:id="rId1"/>
-    <p:sldLayoutId id="2147483650" r:id="rId2"/>
-    <p:sldLayoutId id="2147483651" r:id="rId3"/>
-    <p:sldLayoutId id="2147483652" r:id="rId4"/>
-    <p:sldLayoutId id="2147483653" r:id="rId5"/>
-    <p:sldLayoutId id="2147483654" r:id="rId6"/>
-    <p:sldLayoutId id="2147483655" r:id="rId7"/>
-    <p:sldLayoutId id="2147483656" r:id="rId8"/>
-    <p:sldLayoutId id="2147483657" r:id="rId9"/>
-    <p:sldLayoutId id="2147483658" r:id="rId10"/>
-    <p:sldLayoutId id="2147483659" r:id="rId11"/>
+    <p:sldLayoutId id="2147483661" r:id="rId1"/>
+    <p:sldLayoutId id="2147483662" r:id="rId2"/>
+    <p:sldLayoutId id="2147483663" r:id="rId3"/>
+    <p:sldLayoutId id="2147483664" r:id="rId4"/>
+    <p:sldLayoutId id="2147483665" r:id="rId5"/>
+    <p:sldLayoutId id="2147483666" r:id="rId6"/>
+    <p:sldLayoutId id="2147483667" r:id="rId7"/>
+    <p:sldLayoutId id="2147483668" r:id="rId8"/>
+    <p:sldLayoutId id="2147483669" r:id="rId9"/>
+    <p:sldLayoutId id="2147483670" r:id="rId10"/>
+    <p:sldLayoutId id="2147483671" r:id="rId11"/>
   </p:sldLayoutIdLst>
   <p:txStyles>
     <p:titleStyle>
@@ -2860,7 +2864,7 @@
     </p:bodyStyle>
     <p:otherStyle>
       <a:defPPr>
-        <a:defRPr lang="zh-CN"/>
+        <a:defRPr lang="en-US"/>
       </a:defPPr>
       <a:lvl1pPr marL="0" algn="l" defTabSz="914400" rtl="0" eaLnBrk="1" latinLnBrk="0" hangingPunct="1">
         <a:defRPr sz="1800" kern="1200">
@@ -3079,8 +3083,8 @@
         </p:blipFill>
         <p:spPr>
           <a:xfrm>
-            <a:off x="3279694" y="1825624"/>
-            <a:ext cx="6224914" cy="4808907"/>
+            <a:off x="1755694" y="1825625"/>
+            <a:ext cx="5632611" cy="4351338"/>
           </a:xfrm>
           <a:prstGeom prst="rect">
             <a:avLst/>
@@ -3162,8 +3166,8 @@
         </p:blipFill>
         <p:spPr>
           <a:xfrm>
-            <a:off x="3266239" y="1825625"/>
-            <a:ext cx="6341400" cy="4875602"/>
+            <a:off x="1742239" y="1825625"/>
+            <a:ext cx="5659522" cy="4351338"/>
           </a:xfrm>
           <a:prstGeom prst="rect">
             <a:avLst/>
@@ -3212,10 +3216,22 @@
         </p:nvSpPr>
         <p:spPr/>
         <p:txBody>
-          <a:bodyPr/>
-          <a:lstStyle/>
-          <a:p>
-            <a:endParaRPr lang="zh-CN" altLang="en-US"/>
+          <a:bodyPr>
+            <a:normAutofit/>
+          </a:bodyPr>
+          <a:lstStyle/>
+          <a:p>
+            <a:r>
+              <a:rPr lang="zh-CN" altLang="en-US" sz="4000" dirty="0" smtClean="0"/>
+              <a:t>敌军随机，我军阵型 </a:t>
+            </a:r>
+            <a:r>
+              <a:rPr lang="en-US" altLang="zh-CN" sz="4000" dirty="0" smtClean="0">
+                <a:sym typeface="Wingdings" panose="05000000000000000000" pitchFamily="2" charset="2"/>
+              </a:rPr>
+              <a:t> E &gt; 0</a:t>
+            </a:r>
+            <a:endParaRPr lang="zh-CN" altLang="en-US" sz="4000" dirty="0"/>
           </a:p>
         </p:txBody>
       </p:sp>
@@ -3237,8 +3253,8 @@
         </p:blipFill>
         <p:spPr>
           <a:xfrm>
-            <a:off x="3314251" y="1825625"/>
-            <a:ext cx="6254751" cy="4891984"/>
+            <a:off x="1790252" y="1825625"/>
+            <a:ext cx="5563496" cy="4351338"/>
           </a:xfrm>
           <a:prstGeom prst="rect">
             <a:avLst/>
@@ -3287,10 +3303,34 @@
         </p:nvSpPr>
         <p:spPr/>
         <p:txBody>
-          <a:bodyPr/>
-          <a:lstStyle/>
-          <a:p>
-            <a:endParaRPr lang="zh-CN" altLang="en-US"/>
+          <a:bodyPr>
+            <a:normAutofit/>
+          </a:bodyPr>
+          <a:lstStyle/>
+          <a:p>
+            <a:r>
+              <a:rPr lang="zh-CN" altLang="en-US" sz="4000" dirty="0" smtClean="0"/>
+              <a:t>敌军阵型，我军随机 </a:t>
+            </a:r>
+            <a:r>
+              <a:rPr lang="en-US" altLang="zh-CN" sz="4000" dirty="0" smtClean="0">
+                <a:sym typeface="Wingdings" panose="05000000000000000000" pitchFamily="2" charset="2"/>
+              </a:rPr>
+              <a:t> </a:t>
+            </a:r>
+            <a:r>
+              <a:rPr lang="en-US" altLang="zh-CN" sz="4000" dirty="0" smtClean="0"/>
+              <a:t>E </a:t>
+            </a:r>
+            <a:r>
+              <a:rPr lang="zh-CN" altLang="en-US" sz="4000" dirty="0" smtClean="0"/>
+              <a:t>难以 </a:t>
+            </a:r>
+            <a:r>
+              <a:rPr lang="en-US" altLang="zh-CN" sz="4000" dirty="0" smtClean="0"/>
+              <a:t>&gt; 0</a:t>
+            </a:r>
+            <a:endParaRPr lang="zh-CN" altLang="en-US" sz="4000" dirty="0"/>
           </a:p>
         </p:txBody>
       </p:sp>
@@ -3312,8 +3352,8 @@
         </p:blipFill>
         <p:spPr>
           <a:xfrm>
-            <a:off x="3258864" y="1825625"/>
-            <a:ext cx="6402818" cy="4910026"/>
+            <a:off x="1728470" y="1825625"/>
+            <a:ext cx="5687059" cy="4351338"/>
           </a:xfrm>
           <a:prstGeom prst="rect">
             <a:avLst/>
@@ -3323,7 +3363,7 @@
     </p:spTree>
     <p:extLst>
       <p:ext uri="{BB962C8B-B14F-4D97-AF65-F5344CB8AC3E}">
-        <p14:creationId xmlns:p14="http://schemas.microsoft.com/office/powerpoint/2010/main" val="2091683096"/>
+        <p14:creationId xmlns:p14="http://schemas.microsoft.com/office/powerpoint/2010/main" val="1457527344"/>
       </p:ext>
     </p:extLst>
   </p:cSld>
@@ -3352,6 +3392,228 @@
       </p:grpSpPr>
       <p:sp>
         <p:nvSpPr>
+          <p:cNvPr id="2" name="标题 1"/>
+          <p:cNvSpPr>
+            <a:spLocks noGrp="1"/>
+          </p:cNvSpPr>
+          <p:nvPr>
+            <p:ph type="title"/>
+          </p:nvPr>
+        </p:nvSpPr>
+        <p:spPr/>
+        <p:txBody>
+          <a:bodyPr/>
+          <a:lstStyle/>
+          <a:p>
+            <a:r>
+              <a:rPr lang="en-US" altLang="zh-CN" dirty="0" smtClean="0"/>
+              <a:t>E == 1 </a:t>
+            </a:r>
+            <a:r>
+              <a:rPr lang="en-US" altLang="zh-CN" dirty="0" smtClean="0">
+                <a:sym typeface="Wingdings" panose="05000000000000000000" pitchFamily="2" charset="2"/>
+              </a:rPr>
+              <a:t> </a:t>
+            </a:r>
+            <a:r>
+              <a:rPr lang="zh-CN" altLang="en-US" dirty="0" smtClean="0">
+                <a:sym typeface="Wingdings" panose="05000000000000000000" pitchFamily="2" charset="2"/>
+              </a:rPr>
+              <a:t>没有挨着敌军很近的</a:t>
+            </a:r>
+            <a:endParaRPr lang="zh-CN" altLang="en-US" dirty="0"/>
+          </a:p>
+        </p:txBody>
+      </p:sp>
+      <p:pic>
+        <p:nvPicPr>
+          <p:cNvPr id="4" name="内容占位符 3"/>
+          <p:cNvPicPr>
+            <a:picLocks noGrp="1" noChangeAspect="1"/>
+          </p:cNvPicPr>
+          <p:nvPr>
+            <p:ph idx="1"/>
+          </p:nvPr>
+        </p:nvPicPr>
+        <p:blipFill>
+          <a:blip r:embed="rId2"/>
+          <a:stretch>
+            <a:fillRect/>
+          </a:stretch>
+        </p:blipFill>
+        <p:spPr>
+          <a:xfrm>
+            <a:off x="1734864" y="1825625"/>
+            <a:ext cx="5674272" cy="4351338"/>
+          </a:xfrm>
+          <a:prstGeom prst="rect">
+            <a:avLst/>
+          </a:prstGeom>
+        </p:spPr>
+      </p:pic>
+    </p:spTree>
+    <p:extLst>
+      <p:ext uri="{BB962C8B-B14F-4D97-AF65-F5344CB8AC3E}">
+        <p14:creationId xmlns:p14="http://schemas.microsoft.com/office/powerpoint/2010/main" val="2091683096"/>
+      </p:ext>
+    </p:extLst>
+  </p:cSld>
+  <p:clrMapOvr>
+    <a:masterClrMapping/>
+  </p:clrMapOvr>
+</p:sld>
+</file>
+
+<file path=ppt/slides/slide7.xml><?xml version="1.0" encoding="utf-8"?>
+<p:sld xmlns:a="http://schemas.openxmlformats.org/drawingml/2006/main" xmlns:r="http://schemas.openxmlformats.org/officeDocument/2006/relationships" xmlns:p="http://schemas.openxmlformats.org/presentationml/2006/main">
+  <p:cSld>
+    <p:spTree>
+      <p:nvGrpSpPr>
+        <p:cNvPr id="1" name=""/>
+        <p:cNvGrpSpPr/>
+        <p:nvPr/>
+      </p:nvGrpSpPr>
+      <p:grpSpPr>
+        <a:xfrm>
+          <a:off x="0" y="0"/>
+          <a:ext cx="0" cy="0"/>
+          <a:chOff x="0" y="0"/>
+          <a:chExt cx="0" cy="0"/>
+        </a:xfrm>
+      </p:grpSpPr>
+      <p:sp>
+        <p:nvSpPr>
+          <p:cNvPr id="2" name="标题 1"/>
+          <p:cNvSpPr>
+            <a:spLocks noGrp="1"/>
+          </p:cNvSpPr>
+          <p:nvPr>
+            <p:ph type="title"/>
+          </p:nvPr>
+        </p:nvSpPr>
+        <p:spPr/>
+        <p:txBody>
+          <a:bodyPr/>
+          <a:lstStyle/>
+          <a:p>
+            <a:r>
+              <a:rPr lang="zh-CN" altLang="en-US" dirty="0"/>
+              <a:t>单个</a:t>
+            </a:r>
+            <a:r>
+              <a:rPr lang="zh-CN" altLang="en-US" dirty="0" smtClean="0"/>
+              <a:t>点的判断</a:t>
+            </a:r>
+            <a:endParaRPr lang="zh-CN" altLang="en-US" dirty="0"/>
+          </a:p>
+        </p:txBody>
+      </p:sp>
+      <p:sp>
+        <p:nvSpPr>
+          <p:cNvPr id="3" name="内容占位符 2"/>
+          <p:cNvSpPr>
+            <a:spLocks noGrp="1"/>
+          </p:cNvSpPr>
+          <p:nvPr>
+            <p:ph idx="1"/>
+          </p:nvPr>
+        </p:nvSpPr>
+        <p:spPr/>
+        <p:txBody>
+          <a:bodyPr/>
+          <a:lstStyle/>
+          <a:p>
+            <a:r>
+              <a:rPr lang="zh-CN" altLang="en-US" dirty="0" smtClean="0"/>
+              <a:t>无法直接判断那一个点</a:t>
+            </a:r>
+            <a:r>
+              <a:rPr lang="en-US" altLang="zh-CN" dirty="0" smtClean="0"/>
+              <a:t>is good</a:t>
+            </a:r>
+          </a:p>
+          <a:p>
+            <a:endParaRPr lang="en-US" altLang="zh-CN" dirty="0" smtClean="0"/>
+          </a:p>
+          <a:p>
+            <a:r>
+              <a:rPr lang="zh-CN" altLang="en-US" dirty="0" smtClean="0"/>
+              <a:t>可以判断那一个点</a:t>
+            </a:r>
+            <a:r>
+              <a:rPr lang="en-US" altLang="zh-CN" dirty="0" smtClean="0"/>
+              <a:t>is bad</a:t>
+            </a:r>
+            <a:r>
+              <a:rPr lang="zh-CN" altLang="en-US" dirty="0" smtClean="0"/>
+              <a:t>：很多敌人都可以识别你（四面受敌）。</a:t>
+            </a:r>
+            <a:endParaRPr lang="en-US" altLang="zh-CN" dirty="0" smtClean="0"/>
+          </a:p>
+          <a:p>
+            <a:r>
+              <a:rPr lang="zh-CN" altLang="en-US" dirty="0" smtClean="0"/>
+              <a:t>问题</a:t>
+            </a:r>
+            <a:r>
+              <a:rPr lang="en-US" altLang="zh-CN" dirty="0" smtClean="0"/>
+              <a:t>1</a:t>
+            </a:r>
+            <a:r>
+              <a:rPr lang="zh-CN" altLang="en-US" dirty="0" smtClean="0"/>
+              <a:t>：在选择概率的时候，可以直接把这个点排除掉么？</a:t>
+            </a:r>
+            <a:endParaRPr lang="en-US" altLang="zh-CN" dirty="0" smtClean="0"/>
+          </a:p>
+          <a:p>
+            <a:r>
+              <a:rPr lang="zh-CN" altLang="en-US" dirty="0" smtClean="0"/>
+              <a:t>问题</a:t>
+            </a:r>
+            <a:r>
+              <a:rPr lang="en-US" altLang="zh-CN" dirty="0" smtClean="0"/>
+              <a:t>2</a:t>
+            </a:r>
+            <a:r>
+              <a:rPr lang="zh-CN" altLang="en-US" dirty="0" smtClean="0"/>
+              <a:t>：如果一个点很差，但是统计的时候，很多联盟都在那里有点，这可能么？</a:t>
+            </a:r>
+            <a:endParaRPr lang="zh-CN" altLang="en-US" dirty="0"/>
+          </a:p>
+        </p:txBody>
+      </p:sp>
+    </p:spTree>
+    <p:extLst>
+      <p:ext uri="{BB962C8B-B14F-4D97-AF65-F5344CB8AC3E}">
+        <p14:creationId xmlns:p14="http://schemas.microsoft.com/office/powerpoint/2010/main" val="2184319030"/>
+      </p:ext>
+    </p:extLst>
+  </p:cSld>
+  <p:clrMapOvr>
+    <a:masterClrMapping/>
+  </p:clrMapOvr>
+</p:sld>
+</file>
+
+<file path=ppt/slides/slide8.xml><?xml version="1.0" encoding="utf-8"?>
+<p:sld xmlns:a="http://schemas.openxmlformats.org/drawingml/2006/main" xmlns:r="http://schemas.openxmlformats.org/officeDocument/2006/relationships" xmlns:p="http://schemas.openxmlformats.org/presentationml/2006/main">
+  <p:cSld>
+    <p:spTree>
+      <p:nvGrpSpPr>
+        <p:cNvPr id="1" name=""/>
+        <p:cNvGrpSpPr/>
+        <p:nvPr/>
+      </p:nvGrpSpPr>
+      <p:grpSpPr>
+        <a:xfrm>
+          <a:off x="0" y="0"/>
+          <a:ext cx="0" cy="0"/>
+          <a:chOff x="0" y="0"/>
+          <a:chExt cx="0" cy="0"/>
+        </a:xfrm>
+      </p:grpSpPr>
+      <p:sp>
+        <p:nvSpPr>
           <p:cNvPr id="4" name="标题 3"/>
           <p:cNvSpPr>
             <a:spLocks noGrp="1"/>
@@ -3365,7 +3627,15 @@
           <a:bodyPr/>
           <a:lstStyle/>
           <a:p>
-            <a:endParaRPr lang="zh-CN" altLang="en-US"/>
+            <a:r>
+              <a:rPr lang="en-US" altLang="zh-CN" dirty="0" smtClean="0"/>
+              <a:t>MPL</a:t>
+            </a:r>
+            <a:r>
+              <a:rPr lang="zh-CN" altLang="en-US" dirty="0" smtClean="0"/>
+              <a:t>对于解决差别比较</a:t>
+            </a:r>
+            <a:endParaRPr lang="zh-CN" altLang="en-US" dirty="0"/>
           </a:p>
         </p:txBody>
       </p:sp>
@@ -3400,6 +3670,106 @@
           </p:cNvSpPr>
           <p:nvPr>
             <p:ph sz="half" idx="2"/>
+          </p:nvPr>
+        </p:nvSpPr>
+        <p:spPr/>
+        <p:txBody>
+          <a:bodyPr>
+            <a:normAutofit lnSpcReduction="10000"/>
+          </a:bodyPr>
+          <a:lstStyle/>
+          <a:p>
+            <a:r>
+              <a:rPr lang="zh-CN" altLang="en-US" sz="2400" dirty="0"/>
+              <a:t>在</a:t>
+            </a:r>
+            <a:r>
+              <a:rPr lang="en-US" altLang="zh-CN" sz="2400" dirty="0"/>
+              <a:t>PM</a:t>
+            </a:r>
+            <a:r>
+              <a:rPr lang="zh-CN" altLang="en-US" sz="2400" dirty="0"/>
+              <a:t>选点，不存在边的</a:t>
+            </a:r>
+            <a:r>
+              <a:rPr lang="zh-CN" altLang="en-US" sz="2400" dirty="0" smtClean="0"/>
+              <a:t>概念</a:t>
+            </a:r>
+            <a:endParaRPr lang="en-US" altLang="zh-CN" sz="2400" dirty="0" smtClean="0"/>
+          </a:p>
+          <a:p>
+            <a:pPr marL="0" indent="0">
+              <a:buNone/>
+            </a:pPr>
+            <a:endParaRPr lang="en-US" altLang="zh-CN" sz="2400" dirty="0" smtClean="0"/>
+          </a:p>
+          <a:p>
+            <a:r>
+              <a:rPr lang="zh-CN" altLang="en-US" sz="2400" dirty="0"/>
+              <a:t>无法保证每一行的概率</a:t>
+            </a:r>
+            <a:r>
+              <a:rPr lang="zh-CN" altLang="en-US" sz="2400" dirty="0" smtClean="0"/>
+              <a:t>和 </a:t>
+            </a:r>
+            <a:r>
+              <a:rPr lang="en-US" altLang="zh-CN" sz="2400" dirty="0" smtClean="0"/>
+              <a:t>= 1</a:t>
+            </a:r>
+            <a:endParaRPr lang="en-US" altLang="zh-CN" sz="2400" dirty="0"/>
+          </a:p>
+          <a:p>
+            <a:r>
+              <a:rPr lang="zh-CN" altLang="en-US" sz="2400" dirty="0" smtClean="0"/>
+              <a:t>没有</a:t>
+            </a:r>
+            <a:r>
+              <a:rPr lang="en-US" altLang="zh-CN" sz="2400" dirty="0" smtClean="0"/>
+              <a:t>benchmark</a:t>
+            </a:r>
+          </a:p>
+          <a:p>
+            <a:endParaRPr lang="en-US" altLang="zh-CN" sz="2400" dirty="0"/>
+          </a:p>
+          <a:p>
+            <a:r>
+              <a:rPr lang="zh-CN" altLang="en-US" sz="2400" dirty="0" smtClean="0"/>
+              <a:t>这里的点不存在“顺序”问题，不需要考虑交换点和点</a:t>
+            </a:r>
+            <a:endParaRPr lang="zh-CN" altLang="en-US" sz="2400" dirty="0"/>
+          </a:p>
+        </p:txBody>
+      </p:sp>
+      <p:sp>
+        <p:nvSpPr>
+          <p:cNvPr id="7" name="文本占位符 6"/>
+          <p:cNvSpPr>
+            <a:spLocks noGrp="1"/>
+          </p:cNvSpPr>
+          <p:nvPr>
+            <p:ph type="body" sz="quarter" idx="3"/>
+          </p:nvPr>
+        </p:nvSpPr>
+        <p:spPr/>
+        <p:txBody>
+          <a:bodyPr/>
+          <a:lstStyle/>
+          <a:p>
+            <a:r>
+              <a:rPr lang="en-US" altLang="zh-CN" dirty="0" smtClean="0"/>
+              <a:t>TSP</a:t>
+            </a:r>
+          </a:p>
+        </p:txBody>
+      </p:sp>
+      <p:sp>
+        <p:nvSpPr>
+          <p:cNvPr id="8" name="内容占位符 7"/>
+          <p:cNvSpPr>
+            <a:spLocks noGrp="1"/>
+          </p:cNvSpPr>
+          <p:nvPr>
+            <p:ph sz="quarter" idx="4"/>
           </p:nvPr>
         </p:nvSpPr>
         <p:spPr/>
@@ -3410,91 +3780,108 @@
           <a:lstStyle/>
           <a:p>
             <a:r>
-              <a:rPr lang="zh-CN" altLang="en-US" sz="2400" dirty="0" smtClean="0"/>
-              <a:t>在</a:t>
-            </a:r>
-            <a:r>
-              <a:rPr lang="en-US" altLang="zh-CN" sz="2400" dirty="0" smtClean="0"/>
-              <a:t>PM</a:t>
-            </a:r>
-            <a:r>
-              <a:rPr lang="zh-CN" altLang="en-US" sz="2400" smtClean="0"/>
-              <a:t>选点，不存在边的概念</a:t>
-            </a:r>
-            <a:endParaRPr lang="zh-CN" altLang="en-US" sz="2400" dirty="0"/>
-          </a:p>
-        </p:txBody>
-      </p:sp>
-      <p:sp>
-        <p:nvSpPr>
-          <p:cNvPr id="7" name="文本占位符 6"/>
-          <p:cNvSpPr>
-            <a:spLocks noGrp="1"/>
-          </p:cNvSpPr>
-          <p:nvPr>
-            <p:ph type="body" sz="quarter" idx="3"/>
-          </p:nvPr>
-        </p:nvSpPr>
-        <p:spPr/>
-        <p:txBody>
-          <a:bodyPr/>
-          <a:lstStyle/>
-          <a:p>
-            <a:r>
-              <a:rPr lang="en-US" altLang="zh-CN" dirty="0" smtClean="0"/>
-              <a:t>TSP</a:t>
-            </a:r>
-          </a:p>
-        </p:txBody>
-      </p:sp>
-      <p:sp>
-        <p:nvSpPr>
-          <p:cNvPr id="8" name="内容占位符 7"/>
-          <p:cNvSpPr>
-            <a:spLocks noGrp="1"/>
-          </p:cNvSpPr>
-          <p:nvPr>
-            <p:ph sz="quarter" idx="4"/>
-          </p:nvPr>
-        </p:nvSpPr>
-        <p:spPr/>
-        <p:txBody>
-          <a:bodyPr>
-            <a:normAutofit/>
-          </a:bodyPr>
-          <a:lstStyle/>
-          <a:p>
-            <a:r>
               <a:rPr lang="zh-CN" altLang="en-US" sz="2400" dirty="0"/>
               <a:t>在</a:t>
             </a:r>
             <a:r>
+              <a:rPr lang="en-US" altLang="zh-CN" sz="2400" dirty="0"/>
+              <a:t>PM</a:t>
+            </a:r>
+            <a:r>
+              <a:rPr lang="zh-CN" altLang="en-US" sz="2400" dirty="0"/>
+              <a:t>中选边</a:t>
+            </a:r>
+            <a:endParaRPr lang="en-US" altLang="zh-CN" sz="2400" dirty="0"/>
+          </a:p>
+          <a:p>
+            <a:r>
+              <a:rPr lang="zh-CN" altLang="en-US" sz="2400" dirty="0"/>
+              <a:t>在一个</a:t>
+            </a:r>
+            <a:r>
+              <a:rPr lang="en-US" altLang="zh-CN" sz="2400" dirty="0"/>
+              <a:t>individual</a:t>
+            </a:r>
+            <a:r>
+              <a:rPr lang="zh-CN" altLang="en-US" sz="2400" dirty="0"/>
+              <a:t>中，每一个点都会</a:t>
+            </a:r>
+            <a:r>
+              <a:rPr lang="zh-CN" altLang="en-US" sz="2400" dirty="0" smtClean="0"/>
+              <a:t>遍历</a:t>
+            </a:r>
+            <a:r>
+              <a:rPr lang="zh-CN" altLang="en-US" sz="2400" dirty="0"/>
+              <a:t>一</a:t>
+            </a:r>
+            <a:r>
+              <a:rPr lang="zh-CN" altLang="en-US" sz="2400" dirty="0" smtClean="0"/>
+              <a:t>遍</a:t>
+            </a:r>
+            <a:endParaRPr lang="en-US" altLang="zh-CN" sz="2400" dirty="0" smtClean="0"/>
+          </a:p>
+          <a:p>
+            <a:r>
+              <a:rPr lang="zh-CN" altLang="en-US" sz="2400" dirty="0" smtClean="0"/>
+              <a:t>每一行的概率和 </a:t>
+            </a:r>
+            <a:r>
               <a:rPr lang="en-US" altLang="zh-CN" sz="2400" dirty="0" smtClean="0"/>
-              <a:t>PM</a:t>
-            </a:r>
+              <a:t>= 1</a:t>
+            </a:r>
+          </a:p>
+          <a:p>
+            <a:pPr marL="0" indent="0">
+              <a:buNone/>
+            </a:pPr>
+            <a:endParaRPr lang="en-US" altLang="zh-CN" sz="1200" dirty="0"/>
+          </a:p>
+          <a:p>
             <a:r>
               <a:rPr lang="zh-CN" altLang="en-US" sz="2400" dirty="0" smtClean="0"/>
-              <a:t>中选边</a:t>
+              <a:t>有</a:t>
+            </a:r>
+            <a:r>
+              <a:rPr lang="en-US" altLang="zh-CN" sz="2400" dirty="0" smtClean="0"/>
+              <a:t>benchmark</a:t>
+            </a:r>
+          </a:p>
+          <a:p>
+            <a:r>
+              <a:rPr lang="zh-CN" altLang="en-US" sz="2400" dirty="0" smtClean="0"/>
+              <a:t>这里点的顺序就是核心</a:t>
             </a:r>
             <a:endParaRPr lang="en-US" altLang="zh-CN" sz="2400" dirty="0" smtClean="0"/>
           </a:p>
           <a:p>
-            <a:r>
-              <a:rPr lang="zh-CN" altLang="en-US" sz="2400" dirty="0" smtClean="0"/>
-              <a:t>在一个</a:t>
-            </a:r>
-            <a:r>
-              <a:rPr lang="en-US" altLang="zh-CN" sz="2400" dirty="0" smtClean="0"/>
-              <a:t>individual</a:t>
-            </a:r>
-            <a:r>
-              <a:rPr lang="zh-CN" altLang="en-US" sz="2400" dirty="0" smtClean="0"/>
-              <a:t>中，每一个点都会遍历一遍</a:t>
-            </a:r>
             <a:endParaRPr lang="zh-CN" altLang="en-US" sz="2400" dirty="0"/>
           </a:p>
         </p:txBody>
       </p:sp>
+      <p:pic>
+        <p:nvPicPr>
+          <p:cNvPr id="2" name="图片 1"/>
+          <p:cNvPicPr>
+            <a:picLocks noChangeAspect="1"/>
+          </p:cNvPicPr>
+          <p:nvPr/>
+        </p:nvPicPr>
+        <p:blipFill>
+          <a:blip r:embed="rId2"/>
+          <a:stretch>
+            <a:fillRect/>
+          </a:stretch>
+        </p:blipFill>
+        <p:spPr>
+          <a:xfrm>
+            <a:off x="4629150" y="5378461"/>
+            <a:ext cx="2892112" cy="811202"/>
+          </a:xfrm>
+          <a:prstGeom prst="rect">
+            <a:avLst/>
+          </a:prstGeom>
+        </p:spPr>
+      </p:pic>
     </p:spTree>
     <p:extLst>
       <p:ext uri="{BB962C8B-B14F-4D97-AF65-F5344CB8AC3E}">
@@ -3511,7 +3898,7 @@
 <file path=ppt/theme/theme1.xml><?xml version="1.0" encoding="utf-8"?>
 <a:theme xmlns:a="http://schemas.openxmlformats.org/drawingml/2006/main" name="Office 主题">
   <a:themeElements>
-    <a:clrScheme name="Office">
+    <a:clrScheme name="Office 主题">
       <a:dk1>
         <a:sysClr val="windowText" lastClr="000000"/>
       </a:dk1>
@@ -3549,7 +3936,7 @@
         <a:srgbClr val="954F72"/>
       </a:folHlink>
     </a:clrScheme>
-    <a:fontScheme name="Office">
+    <a:fontScheme name="Office 主题">
       <a:majorFont>
         <a:latin typeface="Calibri Light" panose="020F0302020204030204"/>
         <a:ea typeface=""/>
@@ -3621,7 +4008,7 @@
         <a:font script="Geor" typeface="Sylfaen"/>
       </a:minorFont>
     </a:fontScheme>
-    <a:fmtScheme name="Office">
+    <a:fmtScheme name="Office 主题">
       <a:fillStyleLst>
         <a:solidFill>
           <a:schemeClr val="phClr"/>

--- a/version_0.2.pptx
+++ b/version_0.2.pptx
@@ -11,8 +11,10 @@
     <p:sldId id="260" r:id="rId5"/>
     <p:sldId id="262" r:id="rId6"/>
     <p:sldId id="261" r:id="rId7"/>
-    <p:sldId id="263" r:id="rId8"/>
-    <p:sldId id="259" r:id="rId9"/>
+    <p:sldId id="264" r:id="rId8"/>
+    <p:sldId id="265" r:id="rId9"/>
+    <p:sldId id="263" r:id="rId10"/>
+    <p:sldId id="259" r:id="rId11"/>
   </p:sldIdLst>
   <p:sldSz cx="9144000" cy="6858000" type="screen4x3"/>
   <p:notesSz cx="6858000" cy="9144000"/>
@@ -250,7 +252,7 @@
           <a:p>
             <a:fld id="{6BFF06CF-82A3-4CD1-B5D6-A02F9C92DB18}" type="datetimeFigureOut">
               <a:rPr lang="zh-CN" altLang="en-US" smtClean="0"/>
-              <a:t>2016/4/27</a:t>
+              <a:t>2016/5/4</a:t>
             </a:fld>
             <a:endParaRPr lang="zh-CN" altLang="en-US"/>
           </a:p>
@@ -420,7 +422,7 @@
           <a:p>
             <a:fld id="{6BFF06CF-82A3-4CD1-B5D6-A02F9C92DB18}" type="datetimeFigureOut">
               <a:rPr lang="zh-CN" altLang="en-US" smtClean="0"/>
-              <a:t>2016/4/27</a:t>
+              <a:t>2016/5/4</a:t>
             </a:fld>
             <a:endParaRPr lang="zh-CN" altLang="en-US"/>
           </a:p>
@@ -600,7 +602,7 @@
           <a:p>
             <a:fld id="{6BFF06CF-82A3-4CD1-B5D6-A02F9C92DB18}" type="datetimeFigureOut">
               <a:rPr lang="zh-CN" altLang="en-US" smtClean="0"/>
-              <a:t>2016/4/27</a:t>
+              <a:t>2016/5/4</a:t>
             </a:fld>
             <a:endParaRPr lang="zh-CN" altLang="en-US"/>
           </a:p>
@@ -770,7 +772,7 @@
           <a:p>
             <a:fld id="{6BFF06CF-82A3-4CD1-B5D6-A02F9C92DB18}" type="datetimeFigureOut">
               <a:rPr lang="zh-CN" altLang="en-US" smtClean="0"/>
-              <a:t>2016/4/27</a:t>
+              <a:t>2016/5/4</a:t>
             </a:fld>
             <a:endParaRPr lang="zh-CN" altLang="en-US"/>
           </a:p>
@@ -1014,7 +1016,7 @@
           <a:p>
             <a:fld id="{6BFF06CF-82A3-4CD1-B5D6-A02F9C92DB18}" type="datetimeFigureOut">
               <a:rPr lang="zh-CN" altLang="en-US" smtClean="0"/>
-              <a:t>2016/4/27</a:t>
+              <a:t>2016/5/4</a:t>
             </a:fld>
             <a:endParaRPr lang="zh-CN" altLang="en-US"/>
           </a:p>
@@ -1246,7 +1248,7 @@
           <a:p>
             <a:fld id="{6BFF06CF-82A3-4CD1-B5D6-A02F9C92DB18}" type="datetimeFigureOut">
               <a:rPr lang="zh-CN" altLang="en-US" smtClean="0"/>
-              <a:t>2016/4/27</a:t>
+              <a:t>2016/5/4</a:t>
             </a:fld>
             <a:endParaRPr lang="zh-CN" altLang="en-US"/>
           </a:p>
@@ -1613,7 +1615,7 @@
           <a:p>
             <a:fld id="{6BFF06CF-82A3-4CD1-B5D6-A02F9C92DB18}" type="datetimeFigureOut">
               <a:rPr lang="zh-CN" altLang="en-US" smtClean="0"/>
-              <a:t>2016/4/27</a:t>
+              <a:t>2016/5/4</a:t>
             </a:fld>
             <a:endParaRPr lang="zh-CN" altLang="en-US"/>
           </a:p>
@@ -1731,7 +1733,7 @@
           <a:p>
             <a:fld id="{6BFF06CF-82A3-4CD1-B5D6-A02F9C92DB18}" type="datetimeFigureOut">
               <a:rPr lang="zh-CN" altLang="en-US" smtClean="0"/>
-              <a:t>2016/4/27</a:t>
+              <a:t>2016/5/4</a:t>
             </a:fld>
             <a:endParaRPr lang="zh-CN" altLang="en-US"/>
           </a:p>
@@ -1826,7 +1828,7 @@
           <a:p>
             <a:fld id="{6BFF06CF-82A3-4CD1-B5D6-A02F9C92DB18}" type="datetimeFigureOut">
               <a:rPr lang="zh-CN" altLang="en-US" smtClean="0"/>
-              <a:t>2016/4/27</a:t>
+              <a:t>2016/5/4</a:t>
             </a:fld>
             <a:endParaRPr lang="zh-CN" altLang="en-US"/>
           </a:p>
@@ -2103,7 +2105,7 @@
           <a:p>
             <a:fld id="{6BFF06CF-82A3-4CD1-B5D6-A02F9C92DB18}" type="datetimeFigureOut">
               <a:rPr lang="zh-CN" altLang="en-US" smtClean="0"/>
-              <a:t>2016/4/27</a:t>
+              <a:t>2016/5/4</a:t>
             </a:fld>
             <a:endParaRPr lang="zh-CN" altLang="en-US"/>
           </a:p>
@@ -2360,7 +2362,7 @@
           <a:p>
             <a:fld id="{6BFF06CF-82A3-4CD1-B5D6-A02F9C92DB18}" type="datetimeFigureOut">
               <a:rPr lang="zh-CN" altLang="en-US" smtClean="0"/>
-              <a:t>2016/4/27</a:t>
+              <a:t>2016/5/4</a:t>
             </a:fld>
             <a:endParaRPr lang="zh-CN" altLang="en-US"/>
           </a:p>
@@ -2573,7 +2575,7 @@
           <a:p>
             <a:fld id="{6BFF06CF-82A3-4CD1-B5D6-A02F9C92DB18}" type="datetimeFigureOut">
               <a:rPr lang="zh-CN" altLang="en-US" smtClean="0"/>
-              <a:t>2016/4/27</a:t>
+              <a:t>2016/5/4</a:t>
             </a:fld>
             <a:endParaRPr lang="zh-CN" altLang="en-US"/>
           </a:p>
@@ -3029,6 +3031,306 @@
 </p:sld>
 </file>
 
+<file path=ppt/slides/slide10.xml><?xml version="1.0" encoding="utf-8"?>
+<p:sld xmlns:a="http://schemas.openxmlformats.org/drawingml/2006/main" xmlns:r="http://schemas.openxmlformats.org/officeDocument/2006/relationships" xmlns:p="http://schemas.openxmlformats.org/presentationml/2006/main">
+  <p:cSld>
+    <p:spTree>
+      <p:nvGrpSpPr>
+        <p:cNvPr id="1" name=""/>
+        <p:cNvGrpSpPr/>
+        <p:nvPr/>
+      </p:nvGrpSpPr>
+      <p:grpSpPr>
+        <a:xfrm>
+          <a:off x="0" y="0"/>
+          <a:ext cx="0" cy="0"/>
+          <a:chOff x="0" y="0"/>
+          <a:chExt cx="0" cy="0"/>
+        </a:xfrm>
+      </p:grpSpPr>
+      <p:sp>
+        <p:nvSpPr>
+          <p:cNvPr id="4" name="标题 3"/>
+          <p:cNvSpPr>
+            <a:spLocks noGrp="1"/>
+          </p:cNvSpPr>
+          <p:nvPr>
+            <p:ph type="title"/>
+          </p:nvPr>
+        </p:nvSpPr>
+        <p:spPr/>
+        <p:txBody>
+          <a:bodyPr/>
+          <a:lstStyle/>
+          <a:p>
+            <a:r>
+              <a:rPr lang="en-US" altLang="zh-CN" dirty="0" smtClean="0"/>
+              <a:t>MPL</a:t>
+            </a:r>
+            <a:r>
+              <a:rPr lang="zh-CN" altLang="en-US" dirty="0" smtClean="0"/>
+              <a:t>对于解决差别比较</a:t>
+            </a:r>
+            <a:endParaRPr lang="zh-CN" altLang="en-US" dirty="0"/>
+          </a:p>
+        </p:txBody>
+      </p:sp>
+      <p:sp>
+        <p:nvSpPr>
+          <p:cNvPr id="5" name="文本占位符 4"/>
+          <p:cNvSpPr>
+            <a:spLocks noGrp="1"/>
+          </p:cNvSpPr>
+          <p:nvPr>
+            <p:ph type="body" idx="1"/>
+          </p:nvPr>
+        </p:nvSpPr>
+        <p:spPr/>
+        <p:txBody>
+          <a:bodyPr/>
+          <a:lstStyle/>
+          <a:p>
+            <a:r>
+              <a:rPr lang="en-US" altLang="zh-CN" dirty="0" smtClean="0"/>
+              <a:t>Coalition</a:t>
+            </a:r>
+            <a:endParaRPr lang="zh-CN" altLang="en-US" dirty="0"/>
+          </a:p>
+        </p:txBody>
+      </p:sp>
+      <p:sp>
+        <p:nvSpPr>
+          <p:cNvPr id="6" name="内容占位符 5"/>
+          <p:cNvSpPr>
+            <a:spLocks noGrp="1"/>
+          </p:cNvSpPr>
+          <p:nvPr>
+            <p:ph sz="half" idx="2"/>
+          </p:nvPr>
+        </p:nvSpPr>
+        <p:spPr/>
+        <p:txBody>
+          <a:bodyPr>
+            <a:normAutofit lnSpcReduction="10000"/>
+          </a:bodyPr>
+          <a:lstStyle/>
+          <a:p>
+            <a:r>
+              <a:rPr lang="zh-CN" altLang="en-US" sz="2400" dirty="0"/>
+              <a:t>在</a:t>
+            </a:r>
+            <a:r>
+              <a:rPr lang="en-US" altLang="zh-CN" sz="2400" dirty="0"/>
+              <a:t>PM</a:t>
+            </a:r>
+            <a:r>
+              <a:rPr lang="zh-CN" altLang="en-US" sz="2400" dirty="0"/>
+              <a:t>选点，不存在边的</a:t>
+            </a:r>
+            <a:r>
+              <a:rPr lang="zh-CN" altLang="en-US" sz="2400" dirty="0" smtClean="0"/>
+              <a:t>概念</a:t>
+            </a:r>
+            <a:endParaRPr lang="en-US" altLang="zh-CN" sz="2400" dirty="0" smtClean="0"/>
+          </a:p>
+          <a:p>
+            <a:pPr marL="0" indent="0">
+              <a:buNone/>
+            </a:pPr>
+            <a:endParaRPr lang="en-US" altLang="zh-CN" sz="2400" dirty="0" smtClean="0"/>
+          </a:p>
+          <a:p>
+            <a:r>
+              <a:rPr lang="zh-CN" altLang="en-US" sz="2400" dirty="0"/>
+              <a:t>无法保证每一行的概率</a:t>
+            </a:r>
+            <a:r>
+              <a:rPr lang="zh-CN" altLang="en-US" sz="2400" dirty="0" smtClean="0"/>
+              <a:t>和 </a:t>
+            </a:r>
+            <a:r>
+              <a:rPr lang="en-US" altLang="zh-CN" sz="2400" dirty="0" smtClean="0"/>
+              <a:t>= 1</a:t>
+            </a:r>
+            <a:endParaRPr lang="en-US" altLang="zh-CN" sz="2400" dirty="0"/>
+          </a:p>
+          <a:p>
+            <a:r>
+              <a:rPr lang="zh-CN" altLang="en-US" sz="2400" dirty="0" smtClean="0"/>
+              <a:t>没有</a:t>
+            </a:r>
+            <a:r>
+              <a:rPr lang="en-US" altLang="zh-CN" sz="2400" dirty="0" smtClean="0"/>
+              <a:t>benchmark</a:t>
+            </a:r>
+          </a:p>
+          <a:p>
+            <a:endParaRPr lang="en-US" altLang="zh-CN" sz="2400" dirty="0"/>
+          </a:p>
+          <a:p>
+            <a:r>
+              <a:rPr lang="zh-CN" altLang="en-US" sz="2400" dirty="0" smtClean="0"/>
+              <a:t>这里的点不存在“顺序”问题，不需要考虑交换点和点</a:t>
+            </a:r>
+            <a:endParaRPr lang="zh-CN" altLang="en-US" sz="2400" dirty="0"/>
+          </a:p>
+        </p:txBody>
+      </p:sp>
+      <p:sp>
+        <p:nvSpPr>
+          <p:cNvPr id="7" name="文本占位符 6"/>
+          <p:cNvSpPr>
+            <a:spLocks noGrp="1"/>
+          </p:cNvSpPr>
+          <p:nvPr>
+            <p:ph type="body" sz="quarter" idx="3"/>
+          </p:nvPr>
+        </p:nvSpPr>
+        <p:spPr/>
+        <p:txBody>
+          <a:bodyPr/>
+          <a:lstStyle/>
+          <a:p>
+            <a:r>
+              <a:rPr lang="en-US" altLang="zh-CN" dirty="0" smtClean="0"/>
+              <a:t>TSP</a:t>
+            </a:r>
+          </a:p>
+        </p:txBody>
+      </p:sp>
+      <p:sp>
+        <p:nvSpPr>
+          <p:cNvPr id="8" name="内容占位符 7"/>
+          <p:cNvSpPr>
+            <a:spLocks noGrp="1"/>
+          </p:cNvSpPr>
+          <p:nvPr>
+            <p:ph sz="quarter" idx="4"/>
+          </p:nvPr>
+        </p:nvSpPr>
+        <p:spPr/>
+        <p:txBody>
+          <a:bodyPr>
+            <a:normAutofit/>
+          </a:bodyPr>
+          <a:lstStyle/>
+          <a:p>
+            <a:r>
+              <a:rPr lang="zh-CN" altLang="en-US" sz="2400" dirty="0"/>
+              <a:t>在</a:t>
+            </a:r>
+            <a:r>
+              <a:rPr lang="en-US" altLang="zh-CN" sz="2400" dirty="0"/>
+              <a:t>PM</a:t>
+            </a:r>
+            <a:r>
+              <a:rPr lang="zh-CN" altLang="en-US" sz="2400" dirty="0"/>
+              <a:t>中选边</a:t>
+            </a:r>
+            <a:endParaRPr lang="en-US" altLang="zh-CN" sz="2400" dirty="0"/>
+          </a:p>
+          <a:p>
+            <a:r>
+              <a:rPr lang="zh-CN" altLang="en-US" sz="2400" dirty="0"/>
+              <a:t>在一个</a:t>
+            </a:r>
+            <a:r>
+              <a:rPr lang="en-US" altLang="zh-CN" sz="2400" dirty="0"/>
+              <a:t>individual</a:t>
+            </a:r>
+            <a:r>
+              <a:rPr lang="zh-CN" altLang="en-US" sz="2400" dirty="0"/>
+              <a:t>中，每一个点都会</a:t>
+            </a:r>
+            <a:r>
+              <a:rPr lang="zh-CN" altLang="en-US" sz="2400" dirty="0" smtClean="0"/>
+              <a:t>遍历</a:t>
+            </a:r>
+            <a:r>
+              <a:rPr lang="zh-CN" altLang="en-US" sz="2400" dirty="0"/>
+              <a:t>一</a:t>
+            </a:r>
+            <a:r>
+              <a:rPr lang="zh-CN" altLang="en-US" sz="2400" dirty="0" smtClean="0"/>
+              <a:t>遍</a:t>
+            </a:r>
+            <a:endParaRPr lang="en-US" altLang="zh-CN" sz="2400" dirty="0" smtClean="0"/>
+          </a:p>
+          <a:p>
+            <a:r>
+              <a:rPr lang="zh-CN" altLang="en-US" sz="2400" dirty="0" smtClean="0"/>
+              <a:t>每一行的概率和 </a:t>
+            </a:r>
+            <a:r>
+              <a:rPr lang="en-US" altLang="zh-CN" sz="2400" dirty="0" smtClean="0"/>
+              <a:t>= 1</a:t>
+            </a:r>
+          </a:p>
+          <a:p>
+            <a:pPr marL="0" indent="0">
+              <a:buNone/>
+            </a:pPr>
+            <a:endParaRPr lang="en-US" altLang="zh-CN" sz="1200" dirty="0"/>
+          </a:p>
+          <a:p>
+            <a:r>
+              <a:rPr lang="zh-CN" altLang="en-US" sz="2400" dirty="0" smtClean="0"/>
+              <a:t>有</a:t>
+            </a:r>
+            <a:r>
+              <a:rPr lang="en-US" altLang="zh-CN" sz="2400" dirty="0" smtClean="0"/>
+              <a:t>benchmark</a:t>
+            </a:r>
+          </a:p>
+          <a:p>
+            <a:r>
+              <a:rPr lang="zh-CN" altLang="en-US" sz="2400" dirty="0" smtClean="0"/>
+              <a:t>这里点的顺序就是核心</a:t>
+            </a:r>
+            <a:endParaRPr lang="en-US" altLang="zh-CN" sz="2400" dirty="0" smtClean="0"/>
+          </a:p>
+          <a:p>
+            <a:endParaRPr lang="zh-CN" altLang="en-US" sz="2400" dirty="0"/>
+          </a:p>
+        </p:txBody>
+      </p:sp>
+      <p:pic>
+        <p:nvPicPr>
+          <p:cNvPr id="2" name="图片 1"/>
+          <p:cNvPicPr>
+            <a:picLocks noChangeAspect="1"/>
+          </p:cNvPicPr>
+          <p:nvPr/>
+        </p:nvPicPr>
+        <p:blipFill>
+          <a:blip r:embed="rId2"/>
+          <a:stretch>
+            <a:fillRect/>
+          </a:stretch>
+        </p:blipFill>
+        <p:spPr>
+          <a:xfrm>
+            <a:off x="4629150" y="5378461"/>
+            <a:ext cx="2892112" cy="811202"/>
+          </a:xfrm>
+          <a:prstGeom prst="rect">
+            <a:avLst/>
+          </a:prstGeom>
+        </p:spPr>
+      </p:pic>
+    </p:spTree>
+    <p:extLst>
+      <p:ext uri="{BB962C8B-B14F-4D97-AF65-F5344CB8AC3E}">
+        <p14:creationId xmlns:p14="http://schemas.microsoft.com/office/powerpoint/2010/main" val="2011737546"/>
+      </p:ext>
+    </p:extLst>
+  </p:cSld>
+  <p:clrMapOvr>
+    <a:masterClrMapping/>
+  </p:clrMapOvr>
+</p:sld>
+</file>
+
 <file path=ppt/slides/slide2.xml><?xml version="1.0" encoding="utf-8"?>
 <p:sld xmlns:a="http://schemas.openxmlformats.org/drawingml/2006/main" xmlns:r="http://schemas.openxmlformats.org/officeDocument/2006/relationships" xmlns:p="http://schemas.openxmlformats.org/presentationml/2006/main">
   <p:cSld>
@@ -3461,6 +3763,13 @@
   <p:clrMapOvr>
     <a:masterClrMapping/>
   </p:clrMapOvr>
+  <p:timing>
+    <p:tnLst>
+      <p:par>
+        <p:cTn id="1" dur="indefinite" restart="never" nodeType="tmRoot"/>
+      </p:par>
+    </p:tnLst>
+  </p:timing>
 </p:sld>
 </file>
 
@@ -3497,101 +3806,307 @@
           <a:lstStyle/>
           <a:p>
             <a:r>
-              <a:rPr lang="zh-CN" altLang="en-US" dirty="0"/>
-              <a:t>单个</a:t>
-            </a:r>
-            <a:r>
               <a:rPr lang="zh-CN" altLang="en-US" dirty="0" smtClean="0"/>
-              <a:t>点的判断</a:t>
+              <a:t>没有加类似于</a:t>
+            </a:r>
+            <a:r>
+              <a:rPr lang="en-US" altLang="zh-CN" dirty="0" smtClean="0"/>
+              <a:t> taboo list </a:t>
+            </a:r>
+            <a:r>
+              <a:rPr lang="zh-CN" altLang="en-US" dirty="0" smtClean="0"/>
+              <a:t>的东西</a:t>
             </a:r>
             <a:endParaRPr lang="zh-CN" altLang="en-US" dirty="0"/>
           </a:p>
         </p:txBody>
       </p:sp>
-      <p:sp>
-        <p:nvSpPr>
-          <p:cNvPr id="3" name="内容占位符 2"/>
-          <p:cNvSpPr>
-            <a:spLocks noGrp="1"/>
-          </p:cNvSpPr>
-          <p:nvPr>
-            <p:ph idx="1"/>
-          </p:nvPr>
-        </p:nvSpPr>
-        <p:spPr/>
-        <p:txBody>
-          <a:bodyPr/>
-          <a:lstStyle/>
-          <a:p>
-            <a:r>
-              <a:rPr lang="zh-CN" altLang="en-US" dirty="0" smtClean="0"/>
-              <a:t>无法直接判断那一个点</a:t>
-            </a:r>
-            <a:r>
-              <a:rPr lang="en-US" altLang="zh-CN" dirty="0" smtClean="0"/>
-              <a:t>is good</a:t>
-            </a:r>
-          </a:p>
-          <a:p>
-            <a:endParaRPr lang="en-US" altLang="zh-CN" dirty="0" smtClean="0"/>
-          </a:p>
-          <a:p>
-            <a:r>
-              <a:rPr lang="zh-CN" altLang="en-US" dirty="0" smtClean="0"/>
-              <a:t>可以判断那一个点</a:t>
-            </a:r>
-            <a:r>
-              <a:rPr lang="en-US" altLang="zh-CN" dirty="0" smtClean="0"/>
-              <a:t>is bad</a:t>
-            </a:r>
-            <a:r>
-              <a:rPr lang="zh-CN" altLang="en-US" dirty="0" smtClean="0"/>
-              <a:t>：很多敌人都可以识别你（四面受敌）。</a:t>
-            </a:r>
-            <a:endParaRPr lang="en-US" altLang="zh-CN" dirty="0" smtClean="0"/>
-          </a:p>
-          <a:p>
-            <a:r>
-              <a:rPr lang="zh-CN" altLang="en-US" dirty="0" smtClean="0"/>
-              <a:t>问题</a:t>
-            </a:r>
-            <a:r>
-              <a:rPr lang="en-US" altLang="zh-CN" dirty="0" smtClean="0"/>
-              <a:t>1</a:t>
-            </a:r>
-            <a:r>
-              <a:rPr lang="zh-CN" altLang="en-US" dirty="0" smtClean="0"/>
-              <a:t>：在选择概率的时候，可以直接把这个点排除掉么？</a:t>
-            </a:r>
-            <a:endParaRPr lang="en-US" altLang="zh-CN" dirty="0" smtClean="0"/>
-          </a:p>
-          <a:p>
-            <a:r>
-              <a:rPr lang="zh-CN" altLang="en-US" dirty="0" smtClean="0"/>
-              <a:t>问题</a:t>
-            </a:r>
-            <a:r>
-              <a:rPr lang="en-US" altLang="zh-CN" dirty="0" smtClean="0"/>
-              <a:t>2</a:t>
-            </a:r>
-            <a:r>
-              <a:rPr lang="zh-CN" altLang="en-US" dirty="0" smtClean="0"/>
-              <a:t>：如果一个点很差，但是统计的时候，很多联盟都在那里有点，这可能么？</a:t>
-            </a:r>
-            <a:endParaRPr lang="zh-CN" altLang="en-US" dirty="0"/>
-          </a:p>
-        </p:txBody>
-      </p:sp>
+      <p:pic>
+        <p:nvPicPr>
+          <p:cNvPr id="3" name="图片 2"/>
+          <p:cNvPicPr>
+            <a:picLocks noChangeAspect="1"/>
+          </p:cNvPicPr>
+          <p:nvPr/>
+        </p:nvPicPr>
+        <p:blipFill>
+          <a:blip r:embed="rId2"/>
+          <a:stretch>
+            <a:fillRect/>
+          </a:stretch>
+        </p:blipFill>
+        <p:spPr>
+          <a:xfrm>
+            <a:off x="1358242" y="1611757"/>
+            <a:ext cx="6048375" cy="4772025"/>
+          </a:xfrm>
+          <a:prstGeom prst="rect">
+            <a:avLst/>
+          </a:prstGeom>
+        </p:spPr>
+      </p:pic>
+      <p:pic>
+        <p:nvPicPr>
+          <p:cNvPr id="6" name="内容占位符 4"/>
+          <p:cNvPicPr>
+            <a:picLocks noChangeAspect="1"/>
+          </p:cNvPicPr>
+          <p:nvPr/>
+        </p:nvPicPr>
+        <p:blipFill>
+          <a:blip r:embed="rId3"/>
+          <a:stretch>
+            <a:fillRect/>
+          </a:stretch>
+        </p:blipFill>
+        <p:spPr>
+          <a:xfrm>
+            <a:off x="1319191" y="1639219"/>
+            <a:ext cx="6126476" cy="4717100"/>
+          </a:xfrm>
+          <a:prstGeom prst="rect">
+            <a:avLst/>
+          </a:prstGeom>
+        </p:spPr>
+      </p:pic>
     </p:spTree>
     <p:extLst>
       <p:ext uri="{BB962C8B-B14F-4D97-AF65-F5344CB8AC3E}">
-        <p14:creationId xmlns:p14="http://schemas.microsoft.com/office/powerpoint/2010/main" val="2184319030"/>
+        <p14:creationId xmlns:p14="http://schemas.microsoft.com/office/powerpoint/2010/main" val="3764974314"/>
       </p:ext>
     </p:extLst>
   </p:cSld>
   <p:clrMapOvr>
     <a:masterClrMapping/>
   </p:clrMapOvr>
+  <p:timing>
+    <p:tnLst>
+      <p:par>
+        <p:cTn id="1" dur="indefinite" restart="never" nodeType="tmRoot">
+          <p:childTnLst>
+            <p:seq concurrent="1" nextAc="seek">
+              <p:cTn id="2" dur="indefinite" nodeType="mainSeq">
+                <p:childTnLst>
+                  <p:par>
+                    <p:cTn id="3" fill="hold">
+                      <p:stCondLst>
+                        <p:cond delay="indefinite"/>
+                      </p:stCondLst>
+                      <p:childTnLst>
+                        <p:par>
+                          <p:cTn id="4" fill="hold">
+                            <p:stCondLst>
+                              <p:cond delay="0"/>
+                            </p:stCondLst>
+                            <p:childTnLst>
+                              <p:par>
+                                <p:cTn id="5" presetID="42" presetClass="entr" presetSubtype="0" fill="hold" nodeType="clickEffect">
+                                  <p:stCondLst>
+                                    <p:cond delay="0"/>
+                                  </p:stCondLst>
+                                  <p:childTnLst>
+                                    <p:set>
+                                      <p:cBhvr>
+                                        <p:cTn id="6" dur="1" fill="hold">
+                                          <p:stCondLst>
+                                            <p:cond delay="0"/>
+                                          </p:stCondLst>
+                                        </p:cTn>
+                                        <p:tgtEl>
+                                          <p:spTgt spid="3"/>
+                                        </p:tgtEl>
+                                        <p:attrNameLst>
+                                          <p:attrName>style.visibility</p:attrName>
+                                        </p:attrNameLst>
+                                      </p:cBhvr>
+                                      <p:to>
+                                        <p:strVal val="visible"/>
+                                      </p:to>
+                                    </p:set>
+                                    <p:animEffect transition="in" filter="fade">
+                                      <p:cBhvr>
+                                        <p:cTn id="7" dur="1000"/>
+                                        <p:tgtEl>
+                                          <p:spTgt spid="3"/>
+                                        </p:tgtEl>
+                                      </p:cBhvr>
+                                    </p:animEffect>
+                                    <p:anim calcmode="lin" valueType="num">
+                                      <p:cBhvr>
+                                        <p:cTn id="8" dur="1000" fill="hold"/>
+                                        <p:tgtEl>
+                                          <p:spTgt spid="3"/>
+                                        </p:tgtEl>
+                                        <p:attrNameLst>
+                                          <p:attrName>ppt_x</p:attrName>
+                                        </p:attrNameLst>
+                                      </p:cBhvr>
+                                      <p:tavLst>
+                                        <p:tav tm="0">
+                                          <p:val>
+                                            <p:strVal val="#ppt_x"/>
+                                          </p:val>
+                                        </p:tav>
+                                        <p:tav tm="100000">
+                                          <p:val>
+                                            <p:strVal val="#ppt_x"/>
+                                          </p:val>
+                                        </p:tav>
+                                      </p:tavLst>
+                                    </p:anim>
+                                    <p:anim calcmode="lin" valueType="num">
+                                      <p:cBhvr>
+                                        <p:cTn id="9" dur="1000" fill="hold"/>
+                                        <p:tgtEl>
+                                          <p:spTgt spid="3"/>
+                                        </p:tgtEl>
+                                        <p:attrNameLst>
+                                          <p:attrName>ppt_y</p:attrName>
+                                        </p:attrNameLst>
+                                      </p:cBhvr>
+                                      <p:tavLst>
+                                        <p:tav tm="0">
+                                          <p:val>
+                                            <p:strVal val="#ppt_y+.1"/>
+                                          </p:val>
+                                        </p:tav>
+                                        <p:tav tm="100000">
+                                          <p:val>
+                                            <p:strVal val="#ppt_y"/>
+                                          </p:val>
+                                        </p:tav>
+                                      </p:tavLst>
+                                    </p:anim>
+                                  </p:childTnLst>
+                                </p:cTn>
+                              </p:par>
+                            </p:childTnLst>
+                          </p:cTn>
+                        </p:par>
+                      </p:childTnLst>
+                    </p:cTn>
+                  </p:par>
+                  <p:par>
+                    <p:cTn id="10" fill="hold">
+                      <p:stCondLst>
+                        <p:cond delay="indefinite"/>
+                      </p:stCondLst>
+                      <p:childTnLst>
+                        <p:par>
+                          <p:cTn id="11" fill="hold">
+                            <p:stCondLst>
+                              <p:cond delay="0"/>
+                            </p:stCondLst>
+                            <p:childTnLst>
+                              <p:par>
+                                <p:cTn id="12" presetID="42" presetClass="entr" presetSubtype="0" fill="hold" nodeType="clickEffect">
+                                  <p:stCondLst>
+                                    <p:cond delay="0"/>
+                                  </p:stCondLst>
+                                  <p:childTnLst>
+                                    <p:set>
+                                      <p:cBhvr>
+                                        <p:cTn id="13" dur="1" fill="hold">
+                                          <p:stCondLst>
+                                            <p:cond delay="0"/>
+                                          </p:stCondLst>
+                                        </p:cTn>
+                                        <p:tgtEl>
+                                          <p:spTgt spid="6"/>
+                                        </p:tgtEl>
+                                        <p:attrNameLst>
+                                          <p:attrName>style.visibility</p:attrName>
+                                        </p:attrNameLst>
+                                      </p:cBhvr>
+                                      <p:to>
+                                        <p:strVal val="visible"/>
+                                      </p:to>
+                                    </p:set>
+                                    <p:animEffect transition="in" filter="fade">
+                                      <p:cBhvr>
+                                        <p:cTn id="14" dur="1000"/>
+                                        <p:tgtEl>
+                                          <p:spTgt spid="6"/>
+                                        </p:tgtEl>
+                                      </p:cBhvr>
+                                    </p:animEffect>
+                                    <p:anim calcmode="lin" valueType="num">
+                                      <p:cBhvr>
+                                        <p:cTn id="15" dur="1000" fill="hold"/>
+                                        <p:tgtEl>
+                                          <p:spTgt spid="6"/>
+                                        </p:tgtEl>
+                                        <p:attrNameLst>
+                                          <p:attrName>ppt_x</p:attrName>
+                                        </p:attrNameLst>
+                                      </p:cBhvr>
+                                      <p:tavLst>
+                                        <p:tav tm="0">
+                                          <p:val>
+                                            <p:strVal val="#ppt_x"/>
+                                          </p:val>
+                                        </p:tav>
+                                        <p:tav tm="100000">
+                                          <p:val>
+                                            <p:strVal val="#ppt_x"/>
+                                          </p:val>
+                                        </p:tav>
+                                      </p:tavLst>
+                                    </p:anim>
+                                    <p:anim calcmode="lin" valueType="num">
+                                      <p:cBhvr>
+                                        <p:cTn id="16" dur="1000" fill="hold"/>
+                                        <p:tgtEl>
+                                          <p:spTgt spid="6"/>
+                                        </p:tgtEl>
+                                        <p:attrNameLst>
+                                          <p:attrName>ppt_y</p:attrName>
+                                        </p:attrNameLst>
+                                      </p:cBhvr>
+                                      <p:tavLst>
+                                        <p:tav tm="0">
+                                          <p:val>
+                                            <p:strVal val="#ppt_y+.1"/>
+                                          </p:val>
+                                        </p:tav>
+                                        <p:tav tm="100000">
+                                          <p:val>
+                                            <p:strVal val="#ppt_y"/>
+                                          </p:val>
+                                        </p:tav>
+                                      </p:tavLst>
+                                    </p:anim>
+                                  </p:childTnLst>
+                                </p:cTn>
+                              </p:par>
+                            </p:childTnLst>
+                          </p:cTn>
+                        </p:par>
+                      </p:childTnLst>
+                    </p:cTn>
+                  </p:par>
+                </p:childTnLst>
+              </p:cTn>
+              <p:prevCondLst>
+                <p:cond evt="onPrev" delay="0">
+                  <p:tgtEl>
+                    <p:sldTgt/>
+                  </p:tgtEl>
+                </p:cond>
+              </p:prevCondLst>
+              <p:nextCondLst>
+                <p:cond evt="onNext" delay="0">
+                  <p:tgtEl>
+                    <p:sldTgt/>
+                  </p:tgtEl>
+                </p:cond>
+              </p:nextCondLst>
+            </p:seq>
+          </p:childTnLst>
+        </p:cTn>
+      </p:par>
+    </p:tnLst>
+  </p:timing>
 </p:sld>
 </file>
 
@@ -3614,7 +4129,7 @@
       </p:grpSpPr>
       <p:sp>
         <p:nvSpPr>
-          <p:cNvPr id="4" name="标题 3"/>
+          <p:cNvPr id="2" name="标题 1"/>
           <p:cNvSpPr>
             <a:spLocks noGrp="1"/>
           </p:cNvSpPr>
@@ -3628,243 +4143,22 @@
           <a:lstStyle/>
           <a:p>
             <a:r>
-              <a:rPr lang="en-US" altLang="zh-CN" dirty="0" smtClean="0"/>
-              <a:t>MPL</a:t>
-            </a:r>
-            <a:r>
               <a:rPr lang="zh-CN" altLang="en-US" dirty="0" smtClean="0"/>
-              <a:t>对于解决差别比较</a:t>
+              <a:t>例外</a:t>
             </a:r>
             <a:endParaRPr lang="zh-CN" altLang="en-US" dirty="0"/>
-          </a:p>
-        </p:txBody>
-      </p:sp>
-      <p:sp>
-        <p:nvSpPr>
-          <p:cNvPr id="5" name="文本占位符 4"/>
-          <p:cNvSpPr>
-            <a:spLocks noGrp="1"/>
-          </p:cNvSpPr>
-          <p:nvPr>
-            <p:ph type="body" idx="1"/>
-          </p:nvPr>
-        </p:nvSpPr>
-        <p:spPr/>
-        <p:txBody>
-          <a:bodyPr/>
-          <a:lstStyle/>
-          <a:p>
-            <a:r>
-              <a:rPr lang="en-US" altLang="zh-CN" dirty="0" smtClean="0"/>
-              <a:t>Coalition</a:t>
-            </a:r>
-            <a:endParaRPr lang="zh-CN" altLang="en-US" dirty="0"/>
-          </a:p>
-        </p:txBody>
-      </p:sp>
-      <p:sp>
-        <p:nvSpPr>
-          <p:cNvPr id="6" name="内容占位符 5"/>
-          <p:cNvSpPr>
-            <a:spLocks noGrp="1"/>
-          </p:cNvSpPr>
-          <p:nvPr>
-            <p:ph sz="half" idx="2"/>
-          </p:nvPr>
-        </p:nvSpPr>
-        <p:spPr/>
-        <p:txBody>
-          <a:bodyPr>
-            <a:normAutofit lnSpcReduction="10000"/>
-          </a:bodyPr>
-          <a:lstStyle/>
-          <a:p>
-            <a:r>
-              <a:rPr lang="zh-CN" altLang="en-US" sz="2400" dirty="0"/>
-              <a:t>在</a:t>
-            </a:r>
-            <a:r>
-              <a:rPr lang="en-US" altLang="zh-CN" sz="2400" dirty="0"/>
-              <a:t>PM</a:t>
-            </a:r>
-            <a:r>
-              <a:rPr lang="zh-CN" altLang="en-US" sz="2400" dirty="0"/>
-              <a:t>选点，不存在边的</a:t>
-            </a:r>
-            <a:r>
-              <a:rPr lang="zh-CN" altLang="en-US" sz="2400" dirty="0" smtClean="0"/>
-              <a:t>概念</a:t>
-            </a:r>
-            <a:endParaRPr lang="en-US" altLang="zh-CN" sz="2400" dirty="0" smtClean="0"/>
-          </a:p>
-          <a:p>
-            <a:pPr marL="0" indent="0">
-              <a:buNone/>
-            </a:pPr>
-            <a:endParaRPr lang="en-US" altLang="zh-CN" sz="2400" dirty="0" smtClean="0"/>
-          </a:p>
-          <a:p>
-            <a:r>
-              <a:rPr lang="zh-CN" altLang="en-US" sz="2400" dirty="0"/>
-              <a:t>无法保证每一行的概率</a:t>
-            </a:r>
-            <a:r>
-              <a:rPr lang="zh-CN" altLang="en-US" sz="2400" dirty="0" smtClean="0"/>
-              <a:t>和 </a:t>
-            </a:r>
-            <a:r>
-              <a:rPr lang="en-US" altLang="zh-CN" sz="2400" dirty="0" smtClean="0"/>
-              <a:t>= 1</a:t>
-            </a:r>
-            <a:endParaRPr lang="en-US" altLang="zh-CN" sz="2400" dirty="0"/>
-          </a:p>
-          <a:p>
-            <a:r>
-              <a:rPr lang="zh-CN" altLang="en-US" sz="2400" dirty="0" smtClean="0"/>
-              <a:t>没有</a:t>
-            </a:r>
-            <a:r>
-              <a:rPr lang="en-US" altLang="zh-CN" sz="2400" dirty="0" smtClean="0"/>
-              <a:t>benchmark</a:t>
-            </a:r>
-          </a:p>
-          <a:p>
-            <a:endParaRPr lang="en-US" altLang="zh-CN" sz="2400" dirty="0"/>
-          </a:p>
-          <a:p>
-            <a:r>
-              <a:rPr lang="zh-CN" altLang="en-US" sz="2400" dirty="0" smtClean="0"/>
-              <a:t>这里的点不存在“顺序”问题，不需要考虑交换点和点</a:t>
-            </a:r>
-            <a:endParaRPr lang="zh-CN" altLang="en-US" sz="2400" dirty="0"/>
-          </a:p>
-        </p:txBody>
-      </p:sp>
-      <p:sp>
-        <p:nvSpPr>
-          <p:cNvPr id="7" name="文本占位符 6"/>
-          <p:cNvSpPr>
-            <a:spLocks noGrp="1"/>
-          </p:cNvSpPr>
-          <p:nvPr>
-            <p:ph type="body" sz="quarter" idx="3"/>
-          </p:nvPr>
-        </p:nvSpPr>
-        <p:spPr/>
-        <p:txBody>
-          <a:bodyPr/>
-          <a:lstStyle/>
-          <a:p>
-            <a:r>
-              <a:rPr lang="en-US" altLang="zh-CN" dirty="0" smtClean="0"/>
-              <a:t>TSP</a:t>
-            </a:r>
-          </a:p>
-        </p:txBody>
-      </p:sp>
-      <p:sp>
-        <p:nvSpPr>
-          <p:cNvPr id="8" name="内容占位符 7"/>
-          <p:cNvSpPr>
-            <a:spLocks noGrp="1"/>
-          </p:cNvSpPr>
-          <p:nvPr>
-            <p:ph sz="quarter" idx="4"/>
-          </p:nvPr>
-        </p:nvSpPr>
-        <p:spPr/>
-        <p:txBody>
-          <a:bodyPr>
-            <a:normAutofit/>
-          </a:bodyPr>
-          <a:lstStyle/>
-          <a:p>
-            <a:r>
-              <a:rPr lang="zh-CN" altLang="en-US" sz="2400" dirty="0"/>
-              <a:t>在</a:t>
-            </a:r>
-            <a:r>
-              <a:rPr lang="en-US" altLang="zh-CN" sz="2400" dirty="0"/>
-              <a:t>PM</a:t>
-            </a:r>
-            <a:r>
-              <a:rPr lang="zh-CN" altLang="en-US" sz="2400" dirty="0"/>
-              <a:t>中选边</a:t>
-            </a:r>
-            <a:endParaRPr lang="en-US" altLang="zh-CN" sz="2400" dirty="0"/>
-          </a:p>
-          <a:p>
-            <a:r>
-              <a:rPr lang="zh-CN" altLang="en-US" sz="2400" dirty="0"/>
-              <a:t>在一个</a:t>
-            </a:r>
-            <a:r>
-              <a:rPr lang="en-US" altLang="zh-CN" sz="2400" dirty="0"/>
-              <a:t>individual</a:t>
-            </a:r>
-            <a:r>
-              <a:rPr lang="zh-CN" altLang="en-US" sz="2400" dirty="0"/>
-              <a:t>中，每一个点都会</a:t>
-            </a:r>
-            <a:r>
-              <a:rPr lang="zh-CN" altLang="en-US" sz="2400" dirty="0" smtClean="0"/>
-              <a:t>遍历</a:t>
-            </a:r>
-            <a:r>
-              <a:rPr lang="zh-CN" altLang="en-US" sz="2400" dirty="0"/>
-              <a:t>一</a:t>
-            </a:r>
-            <a:r>
-              <a:rPr lang="zh-CN" altLang="en-US" sz="2400" dirty="0" smtClean="0"/>
-              <a:t>遍</a:t>
-            </a:r>
-            <a:endParaRPr lang="en-US" altLang="zh-CN" sz="2400" dirty="0" smtClean="0"/>
-          </a:p>
-          <a:p>
-            <a:r>
-              <a:rPr lang="zh-CN" altLang="en-US" sz="2400" dirty="0" smtClean="0"/>
-              <a:t>每一行的概率和 </a:t>
-            </a:r>
-            <a:r>
-              <a:rPr lang="en-US" altLang="zh-CN" sz="2400" dirty="0" smtClean="0"/>
-              <a:t>= 1</a:t>
-            </a:r>
-          </a:p>
-          <a:p>
-            <a:pPr marL="0" indent="0">
-              <a:buNone/>
-            </a:pPr>
-            <a:endParaRPr lang="en-US" altLang="zh-CN" sz="1200" dirty="0"/>
-          </a:p>
-          <a:p>
-            <a:r>
-              <a:rPr lang="zh-CN" altLang="en-US" sz="2400" dirty="0" smtClean="0"/>
-              <a:t>有</a:t>
-            </a:r>
-            <a:r>
-              <a:rPr lang="en-US" altLang="zh-CN" sz="2400" dirty="0" smtClean="0"/>
-              <a:t>benchmark</a:t>
-            </a:r>
-          </a:p>
-          <a:p>
-            <a:r>
-              <a:rPr lang="zh-CN" altLang="en-US" sz="2400" dirty="0" smtClean="0"/>
-              <a:t>这里点的顺序就是核心</a:t>
-            </a:r>
-            <a:endParaRPr lang="en-US" altLang="zh-CN" sz="2400" dirty="0" smtClean="0"/>
-          </a:p>
-          <a:p>
-            <a:endParaRPr lang="zh-CN" altLang="en-US" sz="2400" dirty="0"/>
           </a:p>
         </p:txBody>
       </p:sp>
       <p:pic>
         <p:nvPicPr>
-          <p:cNvPr id="2" name="图片 1"/>
+          <p:cNvPr id="4" name="内容占位符 3"/>
           <p:cNvPicPr>
-            <a:picLocks noChangeAspect="1"/>
+            <a:picLocks noGrp="1" noChangeAspect="1"/>
           </p:cNvPicPr>
-          <p:nvPr/>
+          <p:nvPr>
+            <p:ph idx="1"/>
+          </p:nvPr>
         </p:nvPicPr>
         <p:blipFill>
           <a:blip r:embed="rId2"/>
@@ -3874,8 +4168,8 @@
         </p:blipFill>
         <p:spPr>
           <a:xfrm>
-            <a:off x="4629150" y="5378461"/>
-            <a:ext cx="2892112" cy="811202"/>
+            <a:off x="1657760" y="1825625"/>
+            <a:ext cx="5828479" cy="4351338"/>
           </a:xfrm>
           <a:prstGeom prst="rect">
             <a:avLst/>
@@ -3885,13 +4179,158 @@
     </p:spTree>
     <p:extLst>
       <p:ext uri="{BB962C8B-B14F-4D97-AF65-F5344CB8AC3E}">
-        <p14:creationId xmlns:p14="http://schemas.microsoft.com/office/powerpoint/2010/main" val="2011737546"/>
+        <p14:creationId xmlns:p14="http://schemas.microsoft.com/office/powerpoint/2010/main" val="1028520967"/>
       </p:ext>
     </p:extLst>
   </p:cSld>
   <p:clrMapOvr>
     <a:masterClrMapping/>
   </p:clrMapOvr>
+  <p:timing>
+    <p:tnLst>
+      <p:par>
+        <p:cTn id="1" dur="indefinite" restart="never" nodeType="tmRoot"/>
+      </p:par>
+    </p:tnLst>
+  </p:timing>
+</p:sld>
+</file>
+
+<file path=ppt/slides/slide9.xml><?xml version="1.0" encoding="utf-8"?>
+<p:sld xmlns:a="http://schemas.openxmlformats.org/drawingml/2006/main" xmlns:r="http://schemas.openxmlformats.org/officeDocument/2006/relationships" xmlns:p="http://schemas.openxmlformats.org/presentationml/2006/main">
+  <p:cSld>
+    <p:spTree>
+      <p:nvGrpSpPr>
+        <p:cNvPr id="1" name=""/>
+        <p:cNvGrpSpPr/>
+        <p:nvPr/>
+      </p:nvGrpSpPr>
+      <p:grpSpPr>
+        <a:xfrm>
+          <a:off x="0" y="0"/>
+          <a:ext cx="0" cy="0"/>
+          <a:chOff x="0" y="0"/>
+          <a:chExt cx="0" cy="0"/>
+        </a:xfrm>
+      </p:grpSpPr>
+      <p:sp>
+        <p:nvSpPr>
+          <p:cNvPr id="2" name="标题 1"/>
+          <p:cNvSpPr>
+            <a:spLocks noGrp="1"/>
+          </p:cNvSpPr>
+          <p:nvPr>
+            <p:ph type="title"/>
+          </p:nvPr>
+        </p:nvSpPr>
+        <p:spPr/>
+        <p:txBody>
+          <a:bodyPr/>
+          <a:lstStyle/>
+          <a:p>
+            <a:r>
+              <a:rPr lang="zh-CN" altLang="en-US" dirty="0"/>
+              <a:t>单个</a:t>
+            </a:r>
+            <a:r>
+              <a:rPr lang="zh-CN" altLang="en-US" dirty="0" smtClean="0"/>
+              <a:t>点的判断</a:t>
+            </a:r>
+            <a:endParaRPr lang="zh-CN" altLang="en-US" dirty="0"/>
+          </a:p>
+        </p:txBody>
+      </p:sp>
+      <p:sp>
+        <p:nvSpPr>
+          <p:cNvPr id="3" name="内容占位符 2"/>
+          <p:cNvSpPr>
+            <a:spLocks noGrp="1"/>
+          </p:cNvSpPr>
+          <p:nvPr>
+            <p:ph idx="1"/>
+          </p:nvPr>
+        </p:nvSpPr>
+        <p:spPr/>
+        <p:txBody>
+          <a:bodyPr/>
+          <a:lstStyle/>
+          <a:p>
+            <a:r>
+              <a:rPr lang="zh-CN" altLang="en-US" dirty="0" smtClean="0"/>
+              <a:t>无法直接判断那一个点</a:t>
+            </a:r>
+            <a:r>
+              <a:rPr lang="en-US" altLang="zh-CN" dirty="0" smtClean="0"/>
+              <a:t>is good</a:t>
+            </a:r>
+          </a:p>
+          <a:p>
+            <a:endParaRPr lang="en-US" altLang="zh-CN" dirty="0" smtClean="0"/>
+          </a:p>
+          <a:p>
+            <a:r>
+              <a:rPr lang="zh-CN" altLang="en-US" dirty="0" smtClean="0"/>
+              <a:t>可以判断那一个点</a:t>
+            </a:r>
+            <a:r>
+              <a:rPr lang="en-US" altLang="zh-CN" dirty="0" smtClean="0"/>
+              <a:t>is bad</a:t>
+            </a:r>
+            <a:r>
+              <a:rPr lang="zh-CN" altLang="en-US" dirty="0" smtClean="0"/>
+              <a:t>：很多敌人都可以识别你（四面受敌）。</a:t>
+            </a:r>
+            <a:endParaRPr lang="en-US" altLang="zh-CN" dirty="0" smtClean="0"/>
+          </a:p>
+          <a:p>
+            <a:r>
+              <a:rPr lang="zh-CN" altLang="en-US" dirty="0" smtClean="0"/>
+              <a:t>问题</a:t>
+            </a:r>
+            <a:r>
+              <a:rPr lang="en-US" altLang="zh-CN" dirty="0" smtClean="0"/>
+              <a:t>1</a:t>
+            </a:r>
+            <a:r>
+              <a:rPr lang="zh-CN" altLang="en-US" dirty="0" smtClean="0"/>
+              <a:t>：在选择概率的时候，可以直接把这个点排除掉么？</a:t>
+            </a:r>
+            <a:endParaRPr lang="en-US" altLang="zh-CN" dirty="0" smtClean="0"/>
+          </a:p>
+          <a:p>
+            <a:r>
+              <a:rPr lang="zh-CN" altLang="en-US" dirty="0" smtClean="0"/>
+              <a:t>问题</a:t>
+            </a:r>
+            <a:r>
+              <a:rPr lang="en-US" altLang="zh-CN" dirty="0" smtClean="0"/>
+              <a:t>2</a:t>
+            </a:r>
+            <a:r>
+              <a:rPr lang="zh-CN" altLang="en-US" dirty="0" smtClean="0"/>
+              <a:t>：如果一个点很差，但是统计的时候，很多联盟都在那里有点，这可能么？</a:t>
+            </a:r>
+            <a:endParaRPr lang="zh-CN" altLang="en-US" dirty="0"/>
+          </a:p>
+        </p:txBody>
+      </p:sp>
+    </p:spTree>
+    <p:extLst>
+      <p:ext uri="{BB962C8B-B14F-4D97-AF65-F5344CB8AC3E}">
+        <p14:creationId xmlns:p14="http://schemas.microsoft.com/office/powerpoint/2010/main" val="2184319030"/>
+      </p:ext>
+    </p:extLst>
+  </p:cSld>
+  <p:clrMapOvr>
+    <a:masterClrMapping/>
+  </p:clrMapOvr>
+  <p:timing>
+    <p:tnLst>
+      <p:par>
+        <p:cTn id="1" dur="indefinite" restart="never" nodeType="tmRoot"/>
+      </p:par>
+    </p:tnLst>
+  </p:timing>
 </p:sld>
 </file>
 

--- a/version_0.2.pptx
+++ b/version_0.2.pptx
@@ -13,8 +13,10 @@
     <p:sldId id="261" r:id="rId7"/>
     <p:sldId id="264" r:id="rId8"/>
     <p:sldId id="265" r:id="rId9"/>
-    <p:sldId id="263" r:id="rId10"/>
-    <p:sldId id="259" r:id="rId11"/>
+    <p:sldId id="266" r:id="rId10"/>
+    <p:sldId id="267" r:id="rId11"/>
+    <p:sldId id="263" r:id="rId12"/>
+    <p:sldId id="259" r:id="rId13"/>
   </p:sldIdLst>
   <p:sldSz cx="9144000" cy="6858000" type="screen4x3"/>
   <p:notesSz cx="6858000" cy="9144000"/>
@@ -252,7 +254,7 @@
           <a:p>
             <a:fld id="{6BFF06CF-82A3-4CD1-B5D6-A02F9C92DB18}" type="datetimeFigureOut">
               <a:rPr lang="zh-CN" altLang="en-US" smtClean="0"/>
-              <a:t>2016/5/4</a:t>
+              <a:t>2016/5/5</a:t>
             </a:fld>
             <a:endParaRPr lang="zh-CN" altLang="en-US"/>
           </a:p>
@@ -422,7 +424,7 @@
           <a:p>
             <a:fld id="{6BFF06CF-82A3-4CD1-B5D6-A02F9C92DB18}" type="datetimeFigureOut">
               <a:rPr lang="zh-CN" altLang="en-US" smtClean="0"/>
-              <a:t>2016/5/4</a:t>
+              <a:t>2016/5/5</a:t>
             </a:fld>
             <a:endParaRPr lang="zh-CN" altLang="en-US"/>
           </a:p>
@@ -602,7 +604,7 @@
           <a:p>
             <a:fld id="{6BFF06CF-82A3-4CD1-B5D6-A02F9C92DB18}" type="datetimeFigureOut">
               <a:rPr lang="zh-CN" altLang="en-US" smtClean="0"/>
-              <a:t>2016/5/4</a:t>
+              <a:t>2016/5/5</a:t>
             </a:fld>
             <a:endParaRPr lang="zh-CN" altLang="en-US"/>
           </a:p>
@@ -772,7 +774,7 @@
           <a:p>
             <a:fld id="{6BFF06CF-82A3-4CD1-B5D6-A02F9C92DB18}" type="datetimeFigureOut">
               <a:rPr lang="zh-CN" altLang="en-US" smtClean="0"/>
-              <a:t>2016/5/4</a:t>
+              <a:t>2016/5/5</a:t>
             </a:fld>
             <a:endParaRPr lang="zh-CN" altLang="en-US"/>
           </a:p>
@@ -1016,7 +1018,7 @@
           <a:p>
             <a:fld id="{6BFF06CF-82A3-4CD1-B5D6-A02F9C92DB18}" type="datetimeFigureOut">
               <a:rPr lang="zh-CN" altLang="en-US" smtClean="0"/>
-              <a:t>2016/5/4</a:t>
+              <a:t>2016/5/5</a:t>
             </a:fld>
             <a:endParaRPr lang="zh-CN" altLang="en-US"/>
           </a:p>
@@ -1248,7 +1250,7 @@
           <a:p>
             <a:fld id="{6BFF06CF-82A3-4CD1-B5D6-A02F9C92DB18}" type="datetimeFigureOut">
               <a:rPr lang="zh-CN" altLang="en-US" smtClean="0"/>
-              <a:t>2016/5/4</a:t>
+              <a:t>2016/5/5</a:t>
             </a:fld>
             <a:endParaRPr lang="zh-CN" altLang="en-US"/>
           </a:p>
@@ -1615,7 +1617,7 @@
           <a:p>
             <a:fld id="{6BFF06CF-82A3-4CD1-B5D6-A02F9C92DB18}" type="datetimeFigureOut">
               <a:rPr lang="zh-CN" altLang="en-US" smtClean="0"/>
-              <a:t>2016/5/4</a:t>
+              <a:t>2016/5/5</a:t>
             </a:fld>
             <a:endParaRPr lang="zh-CN" altLang="en-US"/>
           </a:p>
@@ -1733,7 +1735,7 @@
           <a:p>
             <a:fld id="{6BFF06CF-82A3-4CD1-B5D6-A02F9C92DB18}" type="datetimeFigureOut">
               <a:rPr lang="zh-CN" altLang="en-US" smtClean="0"/>
-              <a:t>2016/5/4</a:t>
+              <a:t>2016/5/5</a:t>
             </a:fld>
             <a:endParaRPr lang="zh-CN" altLang="en-US"/>
           </a:p>
@@ -1828,7 +1830,7 @@
           <a:p>
             <a:fld id="{6BFF06CF-82A3-4CD1-B5D6-A02F9C92DB18}" type="datetimeFigureOut">
               <a:rPr lang="zh-CN" altLang="en-US" smtClean="0"/>
-              <a:t>2016/5/4</a:t>
+              <a:t>2016/5/5</a:t>
             </a:fld>
             <a:endParaRPr lang="zh-CN" altLang="en-US"/>
           </a:p>
@@ -2105,7 +2107,7 @@
           <a:p>
             <a:fld id="{6BFF06CF-82A3-4CD1-B5D6-A02F9C92DB18}" type="datetimeFigureOut">
               <a:rPr lang="zh-CN" altLang="en-US" smtClean="0"/>
-              <a:t>2016/5/4</a:t>
+              <a:t>2016/5/5</a:t>
             </a:fld>
             <a:endParaRPr lang="zh-CN" altLang="en-US"/>
           </a:p>
@@ -2362,7 +2364,7 @@
           <a:p>
             <a:fld id="{6BFF06CF-82A3-4CD1-B5D6-A02F9C92DB18}" type="datetimeFigureOut">
               <a:rPr lang="zh-CN" altLang="en-US" smtClean="0"/>
-              <a:t>2016/5/4</a:t>
+              <a:t>2016/5/5</a:t>
             </a:fld>
             <a:endParaRPr lang="zh-CN" altLang="en-US"/>
           </a:p>
@@ -2575,7 +2577,7 @@
           <a:p>
             <a:fld id="{6BFF06CF-82A3-4CD1-B5D6-A02F9C92DB18}" type="datetimeFigureOut">
               <a:rPr lang="zh-CN" altLang="en-US" smtClean="0"/>
-              <a:t>2016/5/4</a:t>
+              <a:t>2016/5/5</a:t>
             </a:fld>
             <a:endParaRPr lang="zh-CN" altLang="en-US"/>
           </a:p>
@@ -3050,6 +3052,261 @@
       </p:grpSpPr>
       <p:sp>
         <p:nvSpPr>
+          <p:cNvPr id="2" name="标题 1"/>
+          <p:cNvSpPr>
+            <a:spLocks noGrp="1"/>
+          </p:cNvSpPr>
+          <p:nvPr>
+            <p:ph type="title"/>
+          </p:nvPr>
+        </p:nvSpPr>
+        <p:spPr>
+          <a:xfrm>
+            <a:off x="628650" y="-206374"/>
+            <a:ext cx="7886700" cy="1325563"/>
+          </a:xfrm>
+        </p:spPr>
+        <p:txBody>
+          <a:bodyPr>
+            <a:normAutofit/>
+          </a:bodyPr>
+          <a:lstStyle/>
+          <a:p>
+            <a:r>
+              <a:rPr lang="zh-CN" altLang="en-US" sz="3600" dirty="0" smtClean="0"/>
+              <a:t>概率矩阵 变化</a:t>
+            </a:r>
+            <a:endParaRPr lang="zh-CN" altLang="en-US" sz="3600" dirty="0"/>
+          </a:p>
+        </p:txBody>
+      </p:sp>
+      <p:pic>
+        <p:nvPicPr>
+          <p:cNvPr id="4" name="内容占位符 3"/>
+          <p:cNvPicPr>
+            <a:picLocks noGrp="1" noChangeAspect="1"/>
+          </p:cNvPicPr>
+          <p:nvPr>
+            <p:ph idx="1"/>
+          </p:nvPr>
+        </p:nvPicPr>
+        <p:blipFill>
+          <a:blip r:embed="rId2"/>
+          <a:stretch>
+            <a:fillRect/>
+          </a:stretch>
+        </p:blipFill>
+        <p:spPr>
+          <a:xfrm>
+            <a:off x="628650" y="942398"/>
+            <a:ext cx="7886700" cy="2969202"/>
+          </a:xfrm>
+          <a:prstGeom prst="rect">
+            <a:avLst/>
+          </a:prstGeom>
+        </p:spPr>
+      </p:pic>
+      <p:pic>
+        <p:nvPicPr>
+          <p:cNvPr id="5" name="图片 4"/>
+          <p:cNvPicPr>
+            <a:picLocks noChangeAspect="1"/>
+          </p:cNvPicPr>
+          <p:nvPr/>
+        </p:nvPicPr>
+        <p:blipFill>
+          <a:blip r:embed="rId3"/>
+          <a:stretch>
+            <a:fillRect/>
+          </a:stretch>
+        </p:blipFill>
+        <p:spPr>
+          <a:xfrm>
+            <a:off x="628649" y="3911600"/>
+            <a:ext cx="7820787" cy="2946400"/>
+          </a:xfrm>
+          <a:prstGeom prst="rect">
+            <a:avLst/>
+          </a:prstGeom>
+        </p:spPr>
+      </p:pic>
+    </p:spTree>
+    <p:extLst>
+      <p:ext uri="{BB962C8B-B14F-4D97-AF65-F5344CB8AC3E}">
+        <p14:creationId xmlns:p14="http://schemas.microsoft.com/office/powerpoint/2010/main" val="283371825"/>
+      </p:ext>
+    </p:extLst>
+  </p:cSld>
+  <p:clrMapOvr>
+    <a:masterClrMapping/>
+  </p:clrMapOvr>
+  <p:timing>
+    <p:tnLst>
+      <p:par>
+        <p:cTn id="1" dur="indefinite" restart="never" nodeType="tmRoot"/>
+      </p:par>
+    </p:tnLst>
+  </p:timing>
+</p:sld>
+</file>
+
+<file path=ppt/slides/slide11.xml><?xml version="1.0" encoding="utf-8"?>
+<p:sld xmlns:a="http://schemas.openxmlformats.org/drawingml/2006/main" xmlns:r="http://schemas.openxmlformats.org/officeDocument/2006/relationships" xmlns:p="http://schemas.openxmlformats.org/presentationml/2006/main">
+  <p:cSld>
+    <p:spTree>
+      <p:nvGrpSpPr>
+        <p:cNvPr id="1" name=""/>
+        <p:cNvGrpSpPr/>
+        <p:nvPr/>
+      </p:nvGrpSpPr>
+      <p:grpSpPr>
+        <a:xfrm>
+          <a:off x="0" y="0"/>
+          <a:ext cx="0" cy="0"/>
+          <a:chOff x="0" y="0"/>
+          <a:chExt cx="0" cy="0"/>
+        </a:xfrm>
+      </p:grpSpPr>
+      <p:sp>
+        <p:nvSpPr>
+          <p:cNvPr id="2" name="标题 1"/>
+          <p:cNvSpPr>
+            <a:spLocks noGrp="1"/>
+          </p:cNvSpPr>
+          <p:nvPr>
+            <p:ph type="title"/>
+          </p:nvPr>
+        </p:nvSpPr>
+        <p:spPr/>
+        <p:txBody>
+          <a:bodyPr/>
+          <a:lstStyle/>
+          <a:p>
+            <a:r>
+              <a:rPr lang="zh-CN" altLang="en-US" dirty="0"/>
+              <a:t>单个</a:t>
+            </a:r>
+            <a:r>
+              <a:rPr lang="zh-CN" altLang="en-US" dirty="0" smtClean="0"/>
+              <a:t>点的判断</a:t>
+            </a:r>
+            <a:endParaRPr lang="zh-CN" altLang="en-US" dirty="0"/>
+          </a:p>
+        </p:txBody>
+      </p:sp>
+      <p:sp>
+        <p:nvSpPr>
+          <p:cNvPr id="3" name="内容占位符 2"/>
+          <p:cNvSpPr>
+            <a:spLocks noGrp="1"/>
+          </p:cNvSpPr>
+          <p:nvPr>
+            <p:ph idx="1"/>
+          </p:nvPr>
+        </p:nvSpPr>
+        <p:spPr/>
+        <p:txBody>
+          <a:bodyPr/>
+          <a:lstStyle/>
+          <a:p>
+            <a:r>
+              <a:rPr lang="zh-CN" altLang="en-US" dirty="0" smtClean="0"/>
+              <a:t>无法直接判断那一个点</a:t>
+            </a:r>
+            <a:r>
+              <a:rPr lang="en-US" altLang="zh-CN" dirty="0" smtClean="0"/>
+              <a:t>is good</a:t>
+            </a:r>
+          </a:p>
+          <a:p>
+            <a:endParaRPr lang="en-US" altLang="zh-CN" dirty="0" smtClean="0"/>
+          </a:p>
+          <a:p>
+            <a:r>
+              <a:rPr lang="zh-CN" altLang="en-US" dirty="0" smtClean="0"/>
+              <a:t>可以判断那一个点</a:t>
+            </a:r>
+            <a:r>
+              <a:rPr lang="en-US" altLang="zh-CN" dirty="0" smtClean="0"/>
+              <a:t>is bad</a:t>
+            </a:r>
+            <a:r>
+              <a:rPr lang="zh-CN" altLang="en-US" dirty="0" smtClean="0"/>
+              <a:t>：很多敌人都可以识别你（四面受敌）。</a:t>
+            </a:r>
+            <a:endParaRPr lang="en-US" altLang="zh-CN" dirty="0" smtClean="0"/>
+          </a:p>
+          <a:p>
+            <a:r>
+              <a:rPr lang="zh-CN" altLang="en-US" dirty="0" smtClean="0"/>
+              <a:t>问题</a:t>
+            </a:r>
+            <a:r>
+              <a:rPr lang="en-US" altLang="zh-CN" dirty="0" smtClean="0"/>
+              <a:t>1</a:t>
+            </a:r>
+            <a:r>
+              <a:rPr lang="zh-CN" altLang="en-US" dirty="0" smtClean="0"/>
+              <a:t>：在选择概率的时候，可以直接把这个点排除掉么？</a:t>
+            </a:r>
+            <a:endParaRPr lang="en-US" altLang="zh-CN" dirty="0" smtClean="0"/>
+          </a:p>
+          <a:p>
+            <a:r>
+              <a:rPr lang="zh-CN" altLang="en-US" dirty="0" smtClean="0"/>
+              <a:t>问题</a:t>
+            </a:r>
+            <a:r>
+              <a:rPr lang="en-US" altLang="zh-CN" dirty="0" smtClean="0"/>
+              <a:t>2</a:t>
+            </a:r>
+            <a:r>
+              <a:rPr lang="zh-CN" altLang="en-US" dirty="0" smtClean="0"/>
+              <a:t>：如果一个点很差，但是统计的时候，很多联盟都在那里有点，这可能么？</a:t>
+            </a:r>
+            <a:endParaRPr lang="zh-CN" altLang="en-US" dirty="0"/>
+          </a:p>
+        </p:txBody>
+      </p:sp>
+    </p:spTree>
+    <p:extLst>
+      <p:ext uri="{BB962C8B-B14F-4D97-AF65-F5344CB8AC3E}">
+        <p14:creationId xmlns:p14="http://schemas.microsoft.com/office/powerpoint/2010/main" val="2184319030"/>
+      </p:ext>
+    </p:extLst>
+  </p:cSld>
+  <p:clrMapOvr>
+    <a:masterClrMapping/>
+  </p:clrMapOvr>
+  <p:timing>
+    <p:tnLst>
+      <p:par>
+        <p:cTn id="1" dur="indefinite" restart="never" nodeType="tmRoot"/>
+      </p:par>
+    </p:tnLst>
+  </p:timing>
+</p:sld>
+</file>
+
+<file path=ppt/slides/slide12.xml><?xml version="1.0" encoding="utf-8"?>
+<p:sld xmlns:a="http://schemas.openxmlformats.org/drawingml/2006/main" xmlns:r="http://schemas.openxmlformats.org/officeDocument/2006/relationships" xmlns:p="http://schemas.openxmlformats.org/presentationml/2006/main">
+  <p:cSld>
+    <p:spTree>
+      <p:nvGrpSpPr>
+        <p:cNvPr id="1" name=""/>
+        <p:cNvGrpSpPr/>
+        <p:nvPr/>
+      </p:nvGrpSpPr>
+      <p:grpSpPr>
+        <a:xfrm>
+          <a:off x="0" y="0"/>
+          <a:ext cx="0" cy="0"/>
+          <a:chOff x="0" y="0"/>
+          <a:chExt cx="0" cy="0"/>
+        </a:xfrm>
+      </p:grpSpPr>
+      <p:sp>
+        <p:nvSpPr>
           <p:cNvPr id="4" name="标题 3"/>
           <p:cNvSpPr>
             <a:spLocks noGrp="1"/>
@@ -4229,95 +4486,73 @@
           <a:lstStyle/>
           <a:p>
             <a:r>
-              <a:rPr lang="zh-CN" altLang="en-US" dirty="0"/>
-              <a:t>单个</a:t>
+              <a:rPr lang="en-US" altLang="zh-CN" dirty="0"/>
+              <a:t>g</a:t>
+            </a:r>
+            <a:r>
+              <a:rPr lang="en-US" altLang="zh-CN" dirty="0" smtClean="0"/>
+              <a:t>et() </a:t>
             </a:r>
             <a:r>
               <a:rPr lang="zh-CN" altLang="en-US" dirty="0" smtClean="0"/>
-              <a:t>点的判断</a:t>
+              <a:t>中加入查重</a:t>
             </a:r>
             <a:endParaRPr lang="zh-CN" altLang="en-US" dirty="0"/>
           </a:p>
         </p:txBody>
       </p:sp>
-      <p:sp>
-        <p:nvSpPr>
-          <p:cNvPr id="3" name="内容占位符 2"/>
-          <p:cNvSpPr>
-            <a:spLocks noGrp="1"/>
-          </p:cNvSpPr>
-          <p:nvPr>
-            <p:ph idx="1"/>
-          </p:nvPr>
-        </p:nvSpPr>
-        <p:spPr/>
-        <p:txBody>
-          <a:bodyPr/>
-          <a:lstStyle/>
-          <a:p>
-            <a:r>
-              <a:rPr lang="zh-CN" altLang="en-US" dirty="0" smtClean="0"/>
-              <a:t>无法直接判断那一个点</a:t>
-            </a:r>
-            <a:r>
-              <a:rPr lang="en-US" altLang="zh-CN" dirty="0" smtClean="0"/>
-              <a:t>is good</a:t>
-            </a:r>
-          </a:p>
-          <a:p>
-            <a:endParaRPr lang="en-US" altLang="zh-CN" dirty="0" smtClean="0"/>
-          </a:p>
-          <a:p>
-            <a:r>
-              <a:rPr lang="zh-CN" altLang="en-US" dirty="0" smtClean="0"/>
-              <a:t>可以判断那一个点</a:t>
-            </a:r>
-            <a:r>
-              <a:rPr lang="en-US" altLang="zh-CN" dirty="0" smtClean="0"/>
-              <a:t>is bad</a:t>
-            </a:r>
-            <a:r>
-              <a:rPr lang="zh-CN" altLang="en-US" dirty="0" smtClean="0"/>
-              <a:t>：很多敌人都可以识别你（四面受敌）。</a:t>
-            </a:r>
-            <a:endParaRPr lang="en-US" altLang="zh-CN" dirty="0" smtClean="0"/>
-          </a:p>
-          <a:p>
-            <a:r>
-              <a:rPr lang="zh-CN" altLang="en-US" dirty="0" smtClean="0"/>
-              <a:t>问题</a:t>
-            </a:r>
-            <a:r>
-              <a:rPr lang="en-US" altLang="zh-CN" dirty="0" smtClean="0"/>
-              <a:t>1</a:t>
-            </a:r>
-            <a:r>
-              <a:rPr lang="zh-CN" altLang="en-US" dirty="0" smtClean="0"/>
-              <a:t>：在选择概率的时候，可以直接把这个点排除掉么？</a:t>
-            </a:r>
-            <a:endParaRPr lang="en-US" altLang="zh-CN" dirty="0" smtClean="0"/>
-          </a:p>
-          <a:p>
-            <a:r>
-              <a:rPr lang="zh-CN" altLang="en-US" dirty="0" smtClean="0"/>
-              <a:t>问题</a:t>
-            </a:r>
-            <a:r>
-              <a:rPr lang="en-US" altLang="zh-CN" dirty="0" smtClean="0"/>
-              <a:t>2</a:t>
-            </a:r>
-            <a:r>
-              <a:rPr lang="zh-CN" altLang="en-US" dirty="0" smtClean="0"/>
-              <a:t>：如果一个点很差，但是统计的时候，很多联盟都在那里有点，这可能么？</a:t>
-            </a:r>
-            <a:endParaRPr lang="zh-CN" altLang="en-US" dirty="0"/>
-          </a:p>
-        </p:txBody>
-      </p:sp>
+      <p:pic>
+        <p:nvPicPr>
+          <p:cNvPr id="7" name="图片 6"/>
+          <p:cNvPicPr>
+            <a:picLocks noChangeAspect="1"/>
+          </p:cNvPicPr>
+          <p:nvPr/>
+        </p:nvPicPr>
+        <p:blipFill>
+          <a:blip r:embed="rId2"/>
+          <a:stretch>
+            <a:fillRect/>
+          </a:stretch>
+        </p:blipFill>
+        <p:spPr>
+          <a:xfrm>
+            <a:off x="628650" y="1690689"/>
+            <a:ext cx="5438775" cy="4943475"/>
+          </a:xfrm>
+          <a:prstGeom prst="rect">
+            <a:avLst/>
+          </a:prstGeom>
+        </p:spPr>
+      </p:pic>
+      <p:pic>
+        <p:nvPicPr>
+          <p:cNvPr id="8" name="图片 7"/>
+          <p:cNvPicPr>
+            <a:picLocks noChangeAspect="1"/>
+          </p:cNvPicPr>
+          <p:nvPr/>
+        </p:nvPicPr>
+        <p:blipFill>
+          <a:blip r:embed="rId3"/>
+          <a:stretch>
+            <a:fillRect/>
+          </a:stretch>
+        </p:blipFill>
+        <p:spPr>
+          <a:xfrm>
+            <a:off x="2725737" y="1690689"/>
+            <a:ext cx="5603900" cy="4943475"/>
+          </a:xfrm>
+          <a:prstGeom prst="rect">
+            <a:avLst/>
+          </a:prstGeom>
+        </p:spPr>
+      </p:pic>
     </p:spTree>
     <p:extLst>
       <p:ext uri="{BB962C8B-B14F-4D97-AF65-F5344CB8AC3E}">
-        <p14:creationId xmlns:p14="http://schemas.microsoft.com/office/powerpoint/2010/main" val="2184319030"/>
+        <p14:creationId xmlns:p14="http://schemas.microsoft.com/office/powerpoint/2010/main" val="2789474088"/>
       </p:ext>
     </p:extLst>
   </p:cSld>
@@ -4327,7 +4562,121 @@
   <p:timing>
     <p:tnLst>
       <p:par>
-        <p:cTn id="1" dur="indefinite" restart="never" nodeType="tmRoot"/>
+        <p:cTn id="1" dur="indefinite" restart="never" nodeType="tmRoot">
+          <p:childTnLst>
+            <p:seq concurrent="1" nextAc="seek">
+              <p:cTn id="2" dur="indefinite" nodeType="mainSeq">
+                <p:childTnLst>
+                  <p:par>
+                    <p:cTn id="3" fill="hold">
+                      <p:stCondLst>
+                        <p:cond delay="indefinite"/>
+                      </p:stCondLst>
+                      <p:childTnLst>
+                        <p:par>
+                          <p:cTn id="4" fill="hold">
+                            <p:stCondLst>
+                              <p:cond delay="0"/>
+                            </p:stCondLst>
+                            <p:childTnLst>
+                              <p:par>
+                                <p:cTn id="5" presetID="2" presetClass="entr" presetSubtype="4" fill="hold" nodeType="clickEffect">
+                                  <p:stCondLst>
+                                    <p:cond delay="0"/>
+                                  </p:stCondLst>
+                                  <p:childTnLst>
+                                    <p:set>
+                                      <p:cBhvr>
+                                        <p:cTn id="6" dur="1" fill="hold">
+                                          <p:stCondLst>
+                                            <p:cond delay="0"/>
+                                          </p:stCondLst>
+                                        </p:cTn>
+                                        <p:tgtEl>
+                                          <p:spTgt spid="8"/>
+                                        </p:tgtEl>
+                                        <p:attrNameLst>
+                                          <p:attrName>style.visibility</p:attrName>
+                                        </p:attrNameLst>
+                                      </p:cBhvr>
+                                      <p:to>
+                                        <p:strVal val="visible"/>
+                                      </p:to>
+                                    </p:set>
+                                    <p:anim calcmode="lin" valueType="num">
+                                      <p:cBhvr additive="base">
+                                        <p:cTn id="7" dur="500" fill="hold"/>
+                                        <p:tgtEl>
+                                          <p:spTgt spid="8"/>
+                                        </p:tgtEl>
+                                        <p:attrNameLst>
+                                          <p:attrName>ppt_x</p:attrName>
+                                        </p:attrNameLst>
+                                      </p:cBhvr>
+                                      <p:tavLst>
+                                        <p:tav tm="0">
+                                          <p:val>
+                                            <p:strVal val="#ppt_x"/>
+                                          </p:val>
+                                        </p:tav>
+                                        <p:tav tm="100000">
+                                          <p:val>
+                                            <p:strVal val="#ppt_x"/>
+                                          </p:val>
+                                        </p:tav>
+                                      </p:tavLst>
+                                    </p:anim>
+                                    <p:anim calcmode="lin" valueType="num">
+                                      <p:cBhvr additive="base">
+                                        <p:cTn id="8" dur="500" fill="hold"/>
+                                        <p:tgtEl>
+                                          <p:spTgt spid="8"/>
+                                        </p:tgtEl>
+                                        <p:attrNameLst>
+                                          <p:attrName>ppt_y</p:attrName>
+                                        </p:attrNameLst>
+                                      </p:cBhvr>
+                                      <p:tavLst>
+                                        <p:tav tm="0">
+                                          <p:val>
+                                            <p:strVal val="1+#ppt_h/2"/>
+                                          </p:val>
+                                        </p:tav>
+                                        <p:tav tm="100000">
+                                          <p:val>
+                                            <p:strVal val="#ppt_y"/>
+                                          </p:val>
+                                        </p:tav>
+                                      </p:tavLst>
+                                    </p:anim>
+                                  </p:childTnLst>
+                                </p:cTn>
+                              </p:par>
+                            </p:childTnLst>
+                          </p:cTn>
+                        </p:par>
+                      </p:childTnLst>
+                    </p:cTn>
+                  </p:par>
+                </p:childTnLst>
+              </p:cTn>
+              <p:prevCondLst>
+                <p:cond evt="onPrev" delay="0">
+                  <p:tgtEl>
+                    <p:sldTgt/>
+                  </p:tgtEl>
+                </p:cond>
+              </p:prevCondLst>
+              <p:nextCondLst>
+                <p:cond evt="onNext" delay="0">
+                  <p:tgtEl>
+                    <p:sldTgt/>
+                  </p:tgtEl>
+                </p:cond>
+              </p:nextCondLst>
+            </p:seq>
+          </p:childTnLst>
+        </p:cTn>
       </p:par>
     </p:tnLst>
   </p:timing>
